--- a/phase0/CRC Model.pptx
+++ b/phase0/CRC Model.pptx
@@ -5,7 +5,7 @@
     <p:sldMasterId id="2147483659" r:id="rId1"/>
   </p:sldMasterIdLst>
   <p:notesMasterIdLst>
-    <p:notesMasterId r:id="rId17"/>
+    <p:notesMasterId r:id="rId18"/>
   </p:notesMasterIdLst>
   <p:sldIdLst>
     <p:sldId id="256" r:id="rId2"/>
@@ -13,16 +13,17 @@
     <p:sldId id="258" r:id="rId4"/>
     <p:sldId id="261" r:id="rId5"/>
     <p:sldId id="262" r:id="rId6"/>
-    <p:sldId id="263" r:id="rId7"/>
-    <p:sldId id="264" r:id="rId8"/>
-    <p:sldId id="265" r:id="rId9"/>
-    <p:sldId id="266" r:id="rId10"/>
-    <p:sldId id="267" r:id="rId11"/>
-    <p:sldId id="268" r:id="rId12"/>
-    <p:sldId id="269" r:id="rId13"/>
-    <p:sldId id="270" r:id="rId14"/>
-    <p:sldId id="271" r:id="rId15"/>
-    <p:sldId id="272" r:id="rId16"/>
+    <p:sldId id="273" r:id="rId7"/>
+    <p:sldId id="263" r:id="rId8"/>
+    <p:sldId id="264" r:id="rId9"/>
+    <p:sldId id="265" r:id="rId10"/>
+    <p:sldId id="266" r:id="rId11"/>
+    <p:sldId id="267" r:id="rId12"/>
+    <p:sldId id="268" r:id="rId13"/>
+    <p:sldId id="269" r:id="rId14"/>
+    <p:sldId id="270" r:id="rId15"/>
+    <p:sldId id="271" r:id="rId16"/>
+    <p:sldId id="272" r:id="rId17"/>
   </p:sldIdLst>
   <p:sldSz cx="9144000" cy="5143500" type="screen16x9"/>
   <p:notesSz cx="6858000" cy="9144000"/>
@@ -830,7 +831,7 @@
   <p:cSld>
     <p:spTree>
       <p:nvGrpSpPr>
-        <p:cNvPr id="1" name="Shape 166"/>
+        <p:cNvPr id="1" name="Shape 155"/>
         <p:cNvGrpSpPr/>
         <p:nvPr/>
       </p:nvGrpSpPr>
@@ -844,7 +845,7 @@
       </p:grpSpPr>
       <p:sp>
         <p:nvSpPr>
-          <p:cNvPr id="167" name="Google Shape;167;g134e9fba82e_2_78:notes"/>
+          <p:cNvPr id="156" name="Google Shape;156;g134e9fba82e_2_37:notes"/>
           <p:cNvSpPr>
             <a:spLocks noGrp="1" noRot="1" noChangeAspect="1"/>
           </p:cNvSpPr>
@@ -854,7 +855,7 @@
         </p:nvSpPr>
         <p:spPr>
           <a:xfrm>
-            <a:off x="381300" y="685800"/>
+            <a:off x="381000" y="685800"/>
             <a:ext cx="6096000" cy="3429000"/>
           </a:xfrm>
           <a:custGeom>
@@ -885,7 +886,7 @@
       </p:sp>
       <p:sp>
         <p:nvSpPr>
-          <p:cNvPr id="168" name="Google Shape;168;g134e9fba82e_2_78:notes"/>
+          <p:cNvPr id="157" name="Google Shape;157;g134e9fba82e_2_37:notes"/>
           <p:cNvSpPr txBox="1">
             <a:spLocks noGrp="1"/>
           </p:cNvSpPr>
@@ -939,7 +940,7 @@
   <p:cSld>
     <p:spTree>
       <p:nvGrpSpPr>
-        <p:cNvPr id="1" name="Shape 177"/>
+        <p:cNvPr id="1" name="Shape 166"/>
         <p:cNvGrpSpPr/>
         <p:nvPr/>
       </p:nvGrpSpPr>
@@ -953,7 +954,7 @@
       </p:grpSpPr>
       <p:sp>
         <p:nvSpPr>
-          <p:cNvPr id="178" name="Google Shape;178;g134e9fba82e_2_88:notes"/>
+          <p:cNvPr id="167" name="Google Shape;167;g134e9fba82e_2_78:notes"/>
           <p:cNvSpPr>
             <a:spLocks noGrp="1" noRot="1" noChangeAspect="1"/>
           </p:cNvSpPr>
@@ -963,7 +964,7 @@
         </p:nvSpPr>
         <p:spPr>
           <a:xfrm>
-            <a:off x="381300" y="685800"/>
+            <a:off x="381000" y="685800"/>
             <a:ext cx="6096000" cy="3429000"/>
           </a:xfrm>
           <a:custGeom>
@@ -994,7 +995,7 @@
       </p:sp>
       <p:sp>
         <p:nvSpPr>
-          <p:cNvPr id="179" name="Google Shape;179;g134e9fba82e_2_88:notes"/>
+          <p:cNvPr id="168" name="Google Shape;168;g134e9fba82e_2_78:notes"/>
           <p:cNvSpPr txBox="1">
             <a:spLocks noGrp="1"/>
           </p:cNvSpPr>
@@ -1048,7 +1049,7 @@
   <p:cSld>
     <p:spTree>
       <p:nvGrpSpPr>
-        <p:cNvPr id="1" name="Shape 188"/>
+        <p:cNvPr id="1" name="Shape 177"/>
         <p:cNvGrpSpPr/>
         <p:nvPr/>
       </p:nvGrpSpPr>
@@ -1062,7 +1063,7 @@
       </p:grpSpPr>
       <p:sp>
         <p:nvSpPr>
-          <p:cNvPr id="189" name="Google Shape;189;g1324764c1db_0_0:notes"/>
+          <p:cNvPr id="178" name="Google Shape;178;g134e9fba82e_2_88:notes"/>
           <p:cNvSpPr>
             <a:spLocks noGrp="1" noRot="1" noChangeAspect="1"/>
           </p:cNvSpPr>
@@ -1072,7 +1073,7 @@
         </p:nvSpPr>
         <p:spPr>
           <a:xfrm>
-            <a:off x="381300" y="685800"/>
+            <a:off x="381000" y="685800"/>
             <a:ext cx="6096000" cy="3429000"/>
           </a:xfrm>
           <a:custGeom>
@@ -1103,7 +1104,7 @@
       </p:sp>
       <p:sp>
         <p:nvSpPr>
-          <p:cNvPr id="190" name="Google Shape;190;g1324764c1db_0_0:notes"/>
+          <p:cNvPr id="179" name="Google Shape;179;g134e9fba82e_2_88:notes"/>
           <p:cNvSpPr txBox="1">
             <a:spLocks noGrp="1"/>
           </p:cNvSpPr>
@@ -1133,6 +1134,11 @@
               <a:spcAft>
                 <a:spcPts val="0"/>
               </a:spcAft>
+              <a:buClr>
+                <a:schemeClr val="dk1"/>
+              </a:buClr>
+              <a:buSzPts val="1100"/>
+              <a:buFont typeface="Arial"/>
               <a:buNone/>
             </a:pPr>
             <a:endParaRPr/>
@@ -1152,7 +1158,7 @@
   <p:cSld>
     <p:spTree>
       <p:nvGrpSpPr>
-        <p:cNvPr id="1" name="Shape 201"/>
+        <p:cNvPr id="1" name="Shape 188"/>
         <p:cNvGrpSpPr/>
         <p:nvPr/>
       </p:nvGrpSpPr>
@@ -1166,7 +1172,7 @@
       </p:grpSpPr>
       <p:sp>
         <p:nvSpPr>
-          <p:cNvPr id="202" name="Google Shape;202;g1324764c1db_4_12:notes"/>
+          <p:cNvPr id="189" name="Google Shape;189;g1324764c1db_0_0:notes"/>
           <p:cNvSpPr>
             <a:spLocks noGrp="1" noRot="1" noChangeAspect="1"/>
           </p:cNvSpPr>
@@ -1176,7 +1182,7 @@
         </p:nvSpPr>
         <p:spPr>
           <a:xfrm>
-            <a:off x="381300" y="685800"/>
+            <a:off x="381000" y="685800"/>
             <a:ext cx="6096000" cy="3429000"/>
           </a:xfrm>
           <a:custGeom>
@@ -1207,7 +1213,7 @@
       </p:sp>
       <p:sp>
         <p:nvSpPr>
-          <p:cNvPr id="203" name="Google Shape;203;g1324764c1db_4_12:notes"/>
+          <p:cNvPr id="190" name="Google Shape;190;g1324764c1db_0_0:notes"/>
           <p:cNvSpPr txBox="1">
             <a:spLocks noGrp="1"/>
           </p:cNvSpPr>
@@ -1237,11 +1243,6 @@
               <a:spcAft>
                 <a:spcPts val="0"/>
               </a:spcAft>
-              <a:buClr>
-                <a:schemeClr val="dk1"/>
-              </a:buClr>
-              <a:buSzPts val="1100"/>
-              <a:buFont typeface="Arial"/>
               <a:buNone/>
             </a:pPr>
             <a:endParaRPr/>
@@ -1261,7 +1262,7 @@
   <p:cSld>
     <p:spTree>
       <p:nvGrpSpPr>
-        <p:cNvPr id="1" name="Shape 212"/>
+        <p:cNvPr id="1" name="Shape 201"/>
         <p:cNvGrpSpPr/>
         <p:nvPr/>
       </p:nvGrpSpPr>
@@ -1275,7 +1276,7 @@
       </p:grpSpPr>
       <p:sp>
         <p:nvSpPr>
-          <p:cNvPr id="213" name="Google Shape;213;g1324764c1db_4_20:notes"/>
+          <p:cNvPr id="202" name="Google Shape;202;g1324764c1db_4_12:notes"/>
           <p:cNvSpPr>
             <a:spLocks noGrp="1" noRot="1" noChangeAspect="1"/>
           </p:cNvSpPr>
@@ -1285,7 +1286,7 @@
         </p:nvSpPr>
         <p:spPr>
           <a:xfrm>
-            <a:off x="381300" y="685800"/>
+            <a:off x="381000" y="685800"/>
             <a:ext cx="6096000" cy="3429000"/>
           </a:xfrm>
           <a:custGeom>
@@ -1316,7 +1317,7 @@
       </p:sp>
       <p:sp>
         <p:nvSpPr>
-          <p:cNvPr id="214" name="Google Shape;214;g1324764c1db_4_20:notes"/>
+          <p:cNvPr id="203" name="Google Shape;203;g1324764c1db_4_12:notes"/>
           <p:cNvSpPr txBox="1">
             <a:spLocks noGrp="1"/>
           </p:cNvSpPr>
@@ -1366,6 +1367,115 @@
 </file>
 
 <file path=ppt/notesSlides/notesSlide15.xml><?xml version="1.0" encoding="utf-8"?>
+<p:notes xmlns:a="http://schemas.openxmlformats.org/drawingml/2006/main" xmlns:r="http://schemas.openxmlformats.org/officeDocument/2006/relationships" xmlns:p="http://schemas.openxmlformats.org/presentationml/2006/main" showMasterSp="0" showMasterPhAnim="0">
+  <p:cSld>
+    <p:spTree>
+      <p:nvGrpSpPr>
+        <p:cNvPr id="1" name="Shape 212"/>
+        <p:cNvGrpSpPr/>
+        <p:nvPr/>
+      </p:nvGrpSpPr>
+      <p:grpSpPr>
+        <a:xfrm>
+          <a:off x="0" y="0"/>
+          <a:ext cx="0" cy="0"/>
+          <a:chOff x="0" y="0"/>
+          <a:chExt cx="0" cy="0"/>
+        </a:xfrm>
+      </p:grpSpPr>
+      <p:sp>
+        <p:nvSpPr>
+          <p:cNvPr id="213" name="Google Shape;213;g1324764c1db_4_20:notes"/>
+          <p:cNvSpPr>
+            <a:spLocks noGrp="1" noRot="1" noChangeAspect="1"/>
+          </p:cNvSpPr>
+          <p:nvPr>
+            <p:ph type="sldImg" idx="2"/>
+          </p:nvPr>
+        </p:nvSpPr>
+        <p:spPr>
+          <a:xfrm>
+            <a:off x="381000" y="685800"/>
+            <a:ext cx="6096000" cy="3429000"/>
+          </a:xfrm>
+          <a:custGeom>
+            <a:avLst/>
+            <a:gdLst/>
+            <a:ahLst/>
+            <a:cxnLst/>
+            <a:rect l="l" t="t" r="r" b="b"/>
+            <a:pathLst>
+              <a:path w="120000" h="120000" extrusionOk="0">
+                <a:moveTo>
+                  <a:pt x="0" y="0"/>
+                </a:moveTo>
+                <a:lnTo>
+                  <a:pt x="120000" y="0"/>
+                </a:lnTo>
+                <a:lnTo>
+                  <a:pt x="120000" y="120000"/>
+                </a:lnTo>
+                <a:lnTo>
+                  <a:pt x="0" y="120000"/>
+                </a:lnTo>
+                <a:close/>
+              </a:path>
+            </a:pathLst>
+          </a:custGeom>
+        </p:spPr>
+      </p:sp>
+      <p:sp>
+        <p:nvSpPr>
+          <p:cNvPr id="214" name="Google Shape;214;g1324764c1db_4_20:notes"/>
+          <p:cNvSpPr txBox="1">
+            <a:spLocks noGrp="1"/>
+          </p:cNvSpPr>
+          <p:nvPr>
+            <p:ph type="body" idx="1"/>
+          </p:nvPr>
+        </p:nvSpPr>
+        <p:spPr>
+          <a:xfrm>
+            <a:off x="685800" y="4343400"/>
+            <a:ext cx="5486400" cy="4114800"/>
+          </a:xfrm>
+          <a:prstGeom prst="rect">
+            <a:avLst/>
+          </a:prstGeom>
+        </p:spPr>
+        <p:txBody>
+          <a:bodyPr spcFirstLastPara="1" wrap="square" lIns="91425" tIns="91425" rIns="91425" bIns="91425" anchor="t" anchorCtr="0">
+            <a:noAutofit/>
+          </a:bodyPr>
+          <a:lstStyle/>
+          <a:p>
+            <a:pPr marL="0" lvl="0" indent="0" algn="l" rtl="0">
+              <a:spcBef>
+                <a:spcPts val="0"/>
+              </a:spcBef>
+              <a:spcAft>
+                <a:spcPts val="0"/>
+              </a:spcAft>
+              <a:buClr>
+                <a:schemeClr val="dk1"/>
+              </a:buClr>
+              <a:buSzPts val="1100"/>
+              <a:buFont typeface="Arial"/>
+              <a:buNone/>
+            </a:pPr>
+            <a:endParaRPr/>
+          </a:p>
+        </p:txBody>
+      </p:sp>
+    </p:spTree>
+  </p:cSld>
+  <p:clrMapOvr>
+    <a:masterClrMapping/>
+  </p:clrMapOvr>
+</p:notes>
+</file>
+
+<file path=ppt/notesSlides/notesSlide16.xml><?xml version="1.0" encoding="utf-8"?>
 <p:notes xmlns:a="http://schemas.openxmlformats.org/drawingml/2006/main" xmlns:r="http://schemas.openxmlformats.org/officeDocument/2006/relationships" xmlns:p="http://schemas.openxmlformats.org/presentationml/2006/main" showMasterSp="0" showMasterPhAnim="0">
   <p:cSld>
     <p:spTree>
@@ -1394,7 +1504,7 @@
         </p:nvSpPr>
         <p:spPr>
           <a:xfrm>
-            <a:off x="381300" y="685800"/>
+            <a:off x="381000" y="685800"/>
             <a:ext cx="6096000" cy="3429000"/>
           </a:xfrm>
           <a:custGeom>
@@ -1498,7 +1608,7 @@
         </p:nvSpPr>
         <p:spPr>
           <a:xfrm>
-            <a:off x="381300" y="685800"/>
+            <a:off x="381000" y="685800"/>
             <a:ext cx="6096000" cy="3429000"/>
           </a:xfrm>
           <a:custGeom>
@@ -1602,7 +1712,7 @@
         </p:nvSpPr>
         <p:spPr>
           <a:xfrm>
-            <a:off x="381300" y="685800"/>
+            <a:off x="381000" y="685800"/>
             <a:ext cx="6096000" cy="3429000"/>
           </a:xfrm>
           <a:custGeom>
@@ -1706,7 +1816,7 @@
         </p:nvSpPr>
         <p:spPr>
           <a:xfrm>
-            <a:off x="381300" y="685800"/>
+            <a:off x="381000" y="685800"/>
             <a:ext cx="6096000" cy="3429000"/>
           </a:xfrm>
           <a:custGeom>
@@ -1815,7 +1925,7 @@
         </p:nvSpPr>
         <p:spPr>
           <a:xfrm>
-            <a:off x="381300" y="685800"/>
+            <a:off x="381000" y="685800"/>
             <a:ext cx="6096000" cy="3429000"/>
           </a:xfrm>
           <a:custGeom>
@@ -1900,7 +2010,7 @@
   <p:cSld>
     <p:spTree>
       <p:nvGrpSpPr>
-        <p:cNvPr id="1" name="Shape 122"/>
+        <p:cNvPr id="1" name="Shape 111"/>
         <p:cNvGrpSpPr/>
         <p:nvPr/>
       </p:nvGrpSpPr>
@@ -1914,7 +2024,7 @@
       </p:grpSpPr>
       <p:sp>
         <p:nvSpPr>
-          <p:cNvPr id="123" name="Google Shape;123;g13422f3593e_6_91:notes"/>
+          <p:cNvPr id="112" name="Google Shape;112;g13422f3593e_6_100:notes"/>
           <p:cNvSpPr>
             <a:spLocks noGrp="1" noRot="1" noChangeAspect="1"/>
           </p:cNvSpPr>
@@ -1924,7 +2034,7 @@
         </p:nvSpPr>
         <p:spPr>
           <a:xfrm>
-            <a:off x="381300" y="685800"/>
+            <a:off x="381000" y="685800"/>
             <a:ext cx="6096000" cy="3429000"/>
           </a:xfrm>
           <a:custGeom>
@@ -1955,7 +2065,7 @@
       </p:sp>
       <p:sp>
         <p:nvSpPr>
-          <p:cNvPr id="124" name="Google Shape;124;g13422f3593e_6_91:notes"/>
+          <p:cNvPr id="113" name="Google Shape;113;g13422f3593e_6_100:notes"/>
           <p:cNvSpPr txBox="1">
             <a:spLocks noGrp="1"/>
           </p:cNvSpPr>
@@ -1997,6 +2107,11 @@
         </p:txBody>
       </p:sp>
     </p:spTree>
+    <p:extLst>
+      <p:ext uri="{BB962C8B-B14F-4D97-AF65-F5344CB8AC3E}">
+        <p14:creationId xmlns:p14="http://schemas.microsoft.com/office/powerpoint/2010/main" val="4185079052"/>
+      </p:ext>
+    </p:extLst>
   </p:cSld>
   <p:clrMapOvr>
     <a:masterClrMapping/>
@@ -2009,7 +2124,7 @@
   <p:cSld>
     <p:spTree>
       <p:nvGrpSpPr>
-        <p:cNvPr id="1" name="Shape 133"/>
+        <p:cNvPr id="1" name="Shape 122"/>
         <p:cNvGrpSpPr/>
         <p:nvPr/>
       </p:nvGrpSpPr>
@@ -2023,7 +2138,7 @@
       </p:grpSpPr>
       <p:sp>
         <p:nvSpPr>
-          <p:cNvPr id="134" name="Google Shape;134;g134e9fba82e_2_11:notes"/>
+          <p:cNvPr id="123" name="Google Shape;123;g13422f3593e_6_91:notes"/>
           <p:cNvSpPr>
             <a:spLocks noGrp="1" noRot="1" noChangeAspect="1"/>
           </p:cNvSpPr>
@@ -2033,7 +2148,7 @@
         </p:nvSpPr>
         <p:spPr>
           <a:xfrm>
-            <a:off x="381300" y="685800"/>
+            <a:off x="381000" y="685800"/>
             <a:ext cx="6096000" cy="3429000"/>
           </a:xfrm>
           <a:custGeom>
@@ -2064,7 +2179,7 @@
       </p:sp>
       <p:sp>
         <p:nvSpPr>
-          <p:cNvPr id="135" name="Google Shape;135;g134e9fba82e_2_11:notes"/>
+          <p:cNvPr id="124" name="Google Shape;124;g13422f3593e_6_91:notes"/>
           <p:cNvSpPr txBox="1">
             <a:spLocks noGrp="1"/>
           </p:cNvSpPr>
@@ -2118,7 +2233,7 @@
   <p:cSld>
     <p:spTree>
       <p:nvGrpSpPr>
-        <p:cNvPr id="1" name="Shape 144"/>
+        <p:cNvPr id="1" name="Shape 133"/>
         <p:cNvGrpSpPr/>
         <p:nvPr/>
       </p:nvGrpSpPr>
@@ -2132,7 +2247,7 @@
       </p:grpSpPr>
       <p:sp>
         <p:nvSpPr>
-          <p:cNvPr id="145" name="Google Shape;145;g134e9fba82e_2_27:notes"/>
+          <p:cNvPr id="134" name="Google Shape;134;g134e9fba82e_2_11:notes"/>
           <p:cNvSpPr>
             <a:spLocks noGrp="1" noRot="1" noChangeAspect="1"/>
           </p:cNvSpPr>
@@ -2173,7 +2288,7 @@
       </p:sp>
       <p:sp>
         <p:nvSpPr>
-          <p:cNvPr id="146" name="Google Shape;146;g134e9fba82e_2_27:notes"/>
+          <p:cNvPr id="135" name="Google Shape;135;g134e9fba82e_2_11:notes"/>
           <p:cNvSpPr txBox="1">
             <a:spLocks noGrp="1"/>
           </p:cNvSpPr>
@@ -2227,7 +2342,7 @@
   <p:cSld>
     <p:spTree>
       <p:nvGrpSpPr>
-        <p:cNvPr id="1" name="Shape 155"/>
+        <p:cNvPr id="1" name="Shape 144"/>
         <p:cNvGrpSpPr/>
         <p:nvPr/>
       </p:nvGrpSpPr>
@@ -2241,7 +2356,7 @@
       </p:grpSpPr>
       <p:sp>
         <p:nvSpPr>
-          <p:cNvPr id="156" name="Google Shape;156;g134e9fba82e_2_37:notes"/>
+          <p:cNvPr id="145" name="Google Shape;145;g134e9fba82e_2_27:notes"/>
           <p:cNvSpPr>
             <a:spLocks noGrp="1" noRot="1" noChangeAspect="1"/>
           </p:cNvSpPr>
@@ -2251,7 +2366,7 @@
         </p:nvSpPr>
         <p:spPr>
           <a:xfrm>
-            <a:off x="381300" y="685800"/>
+            <a:off x="381000" y="685800"/>
             <a:ext cx="6096000" cy="3429000"/>
           </a:xfrm>
           <a:custGeom>
@@ -2282,7 +2397,7 @@
       </p:sp>
       <p:sp>
         <p:nvSpPr>
-          <p:cNvPr id="157" name="Google Shape;157;g134e9fba82e_2_37:notes"/>
+          <p:cNvPr id="146" name="Google Shape;146;g134e9fba82e_2_27:notes"/>
           <p:cNvSpPr txBox="1">
             <a:spLocks noGrp="1"/>
           </p:cNvSpPr>
@@ -7194,6 +7309,397 @@
   <p:cSld>
     <p:spTree>
       <p:nvGrpSpPr>
+        <p:cNvPr id="1" name="Shape 158"/>
+        <p:cNvGrpSpPr/>
+        <p:nvPr/>
+      </p:nvGrpSpPr>
+      <p:grpSpPr>
+        <a:xfrm>
+          <a:off x="0" y="0"/>
+          <a:ext cx="0" cy="0"/>
+          <a:chOff x="0" y="0"/>
+          <a:chExt cx="0" cy="0"/>
+        </a:xfrm>
+      </p:grpSpPr>
+      <p:sp>
+        <p:nvSpPr>
+          <p:cNvPr id="159" name="Google Shape;159;p23"/>
+          <p:cNvSpPr txBox="1">
+            <a:spLocks noGrp="1"/>
+          </p:cNvSpPr>
+          <p:nvPr>
+            <p:ph type="title"/>
+          </p:nvPr>
+        </p:nvSpPr>
+        <p:spPr>
+          <a:xfrm>
+            <a:off x="311700" y="445025"/>
+            <a:ext cx="8520600" cy="572700"/>
+          </a:xfrm>
+          <a:prstGeom prst="rect">
+            <a:avLst/>
+          </a:prstGeom>
+        </p:spPr>
+        <p:txBody>
+          <a:bodyPr spcFirstLastPara="1" wrap="square" lIns="91425" tIns="91425" rIns="91425" bIns="91425" anchor="t" anchorCtr="0">
+            <a:normAutofit fontScale="90000"/>
+          </a:bodyPr>
+          <a:lstStyle/>
+          <a:p>
+            <a:pPr marL="0" lvl="0" indent="0" algn="ctr" rtl="0">
+              <a:spcBef>
+                <a:spcPts val="0"/>
+              </a:spcBef>
+              <a:spcAft>
+                <a:spcPts val="0"/>
+              </a:spcAft>
+              <a:buNone/>
+            </a:pPr>
+            <a:r>
+              <a:rPr lang="en" b="1" dirty="0"/>
+              <a:t>DeleteUser Class</a:t>
+            </a:r>
+            <a:endParaRPr b="1" dirty="0"/>
+          </a:p>
+        </p:txBody>
+      </p:sp>
+      <p:sp>
+        <p:nvSpPr>
+          <p:cNvPr id="160" name="Google Shape;160;p23"/>
+          <p:cNvSpPr txBox="1">
+            <a:spLocks noGrp="1"/>
+          </p:cNvSpPr>
+          <p:nvPr>
+            <p:ph type="body" idx="1"/>
+          </p:nvPr>
+        </p:nvSpPr>
+        <p:spPr>
+          <a:xfrm>
+            <a:off x="311700" y="1152475"/>
+            <a:ext cx="3999900" cy="3416400"/>
+          </a:xfrm>
+          <a:prstGeom prst="rect">
+            <a:avLst/>
+          </a:prstGeom>
+        </p:spPr>
+        <p:txBody>
+          <a:bodyPr spcFirstLastPara="1" wrap="square" lIns="91425" tIns="91425" rIns="91425" bIns="91425" anchor="t" anchorCtr="0">
+            <a:normAutofit/>
+          </a:bodyPr>
+          <a:lstStyle/>
+          <a:p>
+            <a:pPr marL="0" lvl="0" indent="0" algn="l" rtl="0">
+              <a:spcBef>
+                <a:spcPts val="0"/>
+              </a:spcBef>
+              <a:spcAft>
+                <a:spcPts val="0"/>
+              </a:spcAft>
+              <a:buNone/>
+            </a:pPr>
+            <a:r>
+              <a:rPr lang="en" dirty="0"/>
+              <a:t>Called within the AdminMenu Class</a:t>
+            </a:r>
+          </a:p>
+          <a:p>
+            <a:pPr marL="0" lvl="0" indent="0" algn="l" rtl="0">
+              <a:spcBef>
+                <a:spcPts val="0"/>
+              </a:spcBef>
+              <a:spcAft>
+                <a:spcPts val="0"/>
+              </a:spcAft>
+              <a:buNone/>
+            </a:pPr>
+            <a:r>
+              <a:rPr lang="en" dirty="0"/>
+              <a:t>Takes in Username as a parameter</a:t>
+            </a:r>
+          </a:p>
+          <a:p>
+            <a:pPr marL="0" lvl="0" indent="0" algn="l" rtl="0">
+              <a:spcBef>
+                <a:spcPts val="0"/>
+              </a:spcBef>
+              <a:spcAft>
+                <a:spcPts val="0"/>
+              </a:spcAft>
+              <a:buNone/>
+            </a:pPr>
+            <a:r>
+              <a:rPr lang="en" dirty="0"/>
+              <a:t>Find User in UserTracker using the username and getter in UserTracker</a:t>
+            </a:r>
+          </a:p>
+          <a:p>
+            <a:pPr marL="0" lvl="0" indent="0" algn="l" rtl="0">
+              <a:spcBef>
+                <a:spcPts val="0"/>
+              </a:spcBef>
+              <a:spcAft>
+                <a:spcPts val="0"/>
+              </a:spcAft>
+              <a:buNone/>
+            </a:pPr>
+            <a:r>
+              <a:rPr lang="en-US" dirty="0"/>
+              <a:t>- Return false if no user was found</a:t>
+            </a:r>
+            <a:endParaRPr dirty="0"/>
+          </a:p>
+          <a:p>
+            <a:pPr marL="0" lvl="0" indent="0" algn="l" rtl="0">
+              <a:spcBef>
+                <a:spcPts val="1200"/>
+              </a:spcBef>
+              <a:spcAft>
+                <a:spcPts val="0"/>
+              </a:spcAft>
+              <a:buNone/>
+            </a:pPr>
+            <a:r>
+              <a:rPr lang="en" dirty="0"/>
+              <a:t>Remove User from the UserTracker if found using method in UserTracker, then return True.</a:t>
+            </a:r>
+          </a:p>
+        </p:txBody>
+      </p:sp>
+      <p:sp>
+        <p:nvSpPr>
+          <p:cNvPr id="161" name="Google Shape;161;p23"/>
+          <p:cNvSpPr txBox="1">
+            <a:spLocks noGrp="1"/>
+          </p:cNvSpPr>
+          <p:nvPr>
+            <p:ph type="body" idx="2"/>
+          </p:nvPr>
+        </p:nvSpPr>
+        <p:spPr>
+          <a:xfrm>
+            <a:off x="4832400" y="1152475"/>
+            <a:ext cx="3999900" cy="3416400"/>
+          </a:xfrm>
+          <a:prstGeom prst="rect">
+            <a:avLst/>
+          </a:prstGeom>
+        </p:spPr>
+        <p:txBody>
+          <a:bodyPr spcFirstLastPara="1" wrap="square" lIns="91425" tIns="91425" rIns="91425" bIns="91425" anchor="t" anchorCtr="0">
+            <a:normAutofit/>
+          </a:bodyPr>
+          <a:lstStyle/>
+          <a:p>
+            <a:pPr marL="0" lvl="0" indent="0" algn="l" rtl="0">
+              <a:spcBef>
+                <a:spcPts val="0"/>
+              </a:spcBef>
+              <a:spcAft>
+                <a:spcPts val="0"/>
+              </a:spcAft>
+              <a:buClr>
+                <a:schemeClr val="dk1"/>
+              </a:buClr>
+              <a:buSzPts val="1100"/>
+              <a:buFont typeface="Arial"/>
+              <a:buNone/>
+            </a:pPr>
+            <a:r>
+              <a:rPr lang="en" sz="1000"/>
+              <a:t>Admin &amp; User </a:t>
+            </a:r>
+            <a:endParaRPr sz="1000"/>
+          </a:p>
+          <a:p>
+            <a:pPr marL="0" lvl="0" indent="0" algn="l" rtl="0">
+              <a:spcBef>
+                <a:spcPts val="1200"/>
+              </a:spcBef>
+              <a:spcAft>
+                <a:spcPts val="0"/>
+              </a:spcAft>
+              <a:buClr>
+                <a:schemeClr val="dk1"/>
+              </a:buClr>
+              <a:buSzPts val="1100"/>
+              <a:buFont typeface="Arial"/>
+              <a:buNone/>
+            </a:pPr>
+            <a:r>
+              <a:rPr lang="en" sz="1000"/>
+              <a:t>UserTracker</a:t>
+            </a:r>
+            <a:endParaRPr sz="1000"/>
+          </a:p>
+          <a:p>
+            <a:pPr marL="0" lvl="0" indent="0" algn="l" rtl="0">
+              <a:spcBef>
+                <a:spcPts val="1200"/>
+              </a:spcBef>
+              <a:spcAft>
+                <a:spcPts val="1200"/>
+              </a:spcAft>
+              <a:buNone/>
+            </a:pPr>
+            <a:endParaRPr/>
+          </a:p>
+        </p:txBody>
+      </p:sp>
+      <p:cxnSp>
+        <p:nvCxnSpPr>
+          <p:cNvPr id="162" name="Google Shape;162;p23"/>
+          <p:cNvCxnSpPr>
+            <a:stCxn id="159" idx="2"/>
+          </p:cNvCxnSpPr>
+          <p:nvPr/>
+        </p:nvCxnSpPr>
+        <p:spPr>
+          <a:xfrm>
+            <a:off x="4572000" y="1017725"/>
+            <a:ext cx="0" cy="3561300"/>
+          </a:xfrm>
+          <a:prstGeom prst="straightConnector1">
+            <a:avLst/>
+          </a:prstGeom>
+          <a:noFill/>
+          <a:ln w="9525" cap="flat" cmpd="sng">
+            <a:solidFill>
+              <a:schemeClr val="dk2"/>
+            </a:solidFill>
+            <a:prstDash val="solid"/>
+            <a:round/>
+            <a:headEnd type="none" w="med" len="med"/>
+            <a:tailEnd type="none" w="med" len="med"/>
+          </a:ln>
+        </p:spPr>
+      </p:cxnSp>
+      <p:cxnSp>
+        <p:nvCxnSpPr>
+          <p:cNvPr id="163" name="Google Shape;163;p23"/>
+          <p:cNvCxnSpPr/>
+          <p:nvPr/>
+        </p:nvCxnSpPr>
+        <p:spPr>
+          <a:xfrm>
+            <a:off x="311700" y="1013600"/>
+            <a:ext cx="8520600" cy="0"/>
+          </a:xfrm>
+          <a:prstGeom prst="straightConnector1">
+            <a:avLst/>
+          </a:prstGeom>
+          <a:noFill/>
+          <a:ln w="9525" cap="flat" cmpd="sng">
+            <a:solidFill>
+              <a:schemeClr val="dk2"/>
+            </a:solidFill>
+            <a:prstDash val="solid"/>
+            <a:round/>
+            <a:headEnd type="none" w="med" len="med"/>
+            <a:tailEnd type="none" w="med" len="med"/>
+          </a:ln>
+        </p:spPr>
+      </p:cxnSp>
+      <p:sp>
+        <p:nvSpPr>
+          <p:cNvPr id="164" name="Google Shape;164;p23"/>
+          <p:cNvSpPr txBox="1"/>
+          <p:nvPr/>
+        </p:nvSpPr>
+        <p:spPr>
+          <a:xfrm>
+            <a:off x="7260175" y="105825"/>
+            <a:ext cx="1488600" cy="307800"/>
+          </a:xfrm>
+          <a:prstGeom prst="rect">
+            <a:avLst/>
+          </a:prstGeom>
+          <a:noFill/>
+          <a:ln>
+            <a:noFill/>
+          </a:ln>
+        </p:spPr>
+        <p:txBody>
+          <a:bodyPr spcFirstLastPara="1" wrap="square" lIns="91425" tIns="91425" rIns="91425" bIns="91425" anchor="t" anchorCtr="0">
+            <a:spAutoFit/>
+          </a:bodyPr>
+          <a:lstStyle/>
+          <a:p>
+            <a:pPr marL="0" lvl="0" indent="0" algn="l" rtl="0">
+              <a:spcBef>
+                <a:spcPts val="0"/>
+              </a:spcBef>
+              <a:spcAft>
+                <a:spcPts val="0"/>
+              </a:spcAft>
+              <a:buNone/>
+            </a:pPr>
+            <a:endParaRPr sz="800"/>
+          </a:p>
+        </p:txBody>
+      </p:sp>
+      <p:sp>
+        <p:nvSpPr>
+          <p:cNvPr id="165" name="Google Shape;165;p23"/>
+          <p:cNvSpPr txBox="1"/>
+          <p:nvPr/>
+        </p:nvSpPr>
+        <p:spPr>
+          <a:xfrm>
+            <a:off x="3827700" y="768075"/>
+            <a:ext cx="1488600" cy="292500"/>
+          </a:xfrm>
+          <a:prstGeom prst="rect">
+            <a:avLst/>
+          </a:prstGeom>
+          <a:noFill/>
+          <a:ln>
+            <a:noFill/>
+          </a:ln>
+        </p:spPr>
+        <p:txBody>
+          <a:bodyPr spcFirstLastPara="1" wrap="square" lIns="91425" tIns="91425" rIns="91425" bIns="91425" anchor="t" anchorCtr="0">
+            <a:spAutoFit/>
+          </a:bodyPr>
+          <a:lstStyle/>
+          <a:p>
+            <a:pPr marL="0" lvl="0" indent="0" algn="ctr" rtl="0">
+              <a:spcBef>
+                <a:spcPts val="0"/>
+              </a:spcBef>
+              <a:spcAft>
+                <a:spcPts val="0"/>
+              </a:spcAft>
+              <a:buNone/>
+            </a:pPr>
+            <a:r>
+              <a:rPr lang="en" sz="700">
+                <a:solidFill>
+                  <a:schemeClr val="dk1"/>
+                </a:solidFill>
+              </a:rPr>
+              <a:t>(Use Case)</a:t>
+            </a:r>
+            <a:endParaRPr sz="700">
+              <a:solidFill>
+                <a:schemeClr val="dk1"/>
+              </a:solidFill>
+            </a:endParaRPr>
+          </a:p>
+        </p:txBody>
+      </p:sp>
+    </p:spTree>
+  </p:cSld>
+  <p:clrMapOvr>
+    <a:masterClrMapping/>
+  </p:clrMapOvr>
+</p:sld>
+</file>
+
+<file path=ppt/slides/slide11.xml><?xml version="1.0" encoding="utf-8"?>
+<p:sld xmlns:a="http://schemas.openxmlformats.org/drawingml/2006/main" xmlns:r="http://schemas.openxmlformats.org/officeDocument/2006/relationships" xmlns:p="http://schemas.openxmlformats.org/presentationml/2006/main">
+  <p:cSld>
+    <p:spTree>
+      <p:nvGrpSpPr>
         <p:cNvPr id="1" name="Shape 169"/>
         <p:cNvGrpSpPr/>
         <p:nvPr/>
@@ -7241,10 +7747,10 @@
               <a:buNone/>
             </a:pPr>
             <a:r>
-              <a:rPr lang="en" b="1"/>
-              <a:t>Save → Mani</a:t>
-            </a:r>
-            <a:endParaRPr b="1"/>
+              <a:rPr lang="en" b="1" dirty="0"/>
+              <a:t>Save</a:t>
+            </a:r>
+            <a:endParaRPr b="1" dirty="0"/>
           </a:p>
         </p:txBody>
       </p:sp>
@@ -7269,24 +7775,39 @@
         </p:spPr>
         <p:txBody>
           <a:bodyPr spcFirstLastPara="1" wrap="square" lIns="91425" tIns="91425" rIns="91425" bIns="91425" anchor="t" anchorCtr="0">
-            <a:normAutofit/>
+            <a:normAutofit fontScale="92500" lnSpcReduction="10000"/>
           </a:bodyPr>
           <a:lstStyle/>
           <a:p>
             <a:pPr marL="0" lvl="0" indent="0" algn="l" rtl="0">
               <a:spcBef>
-                <a:spcPts val="0"/>
-              </a:spcBef>
-              <a:spcAft>
-                <a:spcPts val="0"/>
-              </a:spcAft>
-              <a:buNone/>
-            </a:pPr>
-            <a:r>
-              <a:rPr lang="en" dirty="0"/>
-              <a:t>Input: an open stream of a text (csv) file</a:t>
-            </a:r>
-            <a:endParaRPr dirty="0"/>
+                <a:spcPts val="1200"/>
+              </a:spcBef>
+              <a:spcAft>
+                <a:spcPts val="1200"/>
+              </a:spcAft>
+              <a:buNone/>
+            </a:pPr>
+            <a:r>
+              <a:rPr lang="en-US" dirty="0"/>
+              <a:t>Called at the end of the </a:t>
+            </a:r>
+            <a:r>
+              <a:rPr lang="en-US" dirty="0" err="1"/>
+              <a:t>MainApplication</a:t>
+            </a:r>
+            <a:r>
+              <a:rPr lang="en-US" dirty="0"/>
+              <a:t> class, after modifications to </a:t>
+            </a:r>
+            <a:r>
+              <a:rPr lang="en-US" dirty="0" err="1"/>
+              <a:t>UserTracker</a:t>
+            </a:r>
+            <a:r>
+              <a:rPr lang="en-US" dirty="0"/>
+              <a:t> have been done.</a:t>
+            </a:r>
           </a:p>
           <a:p>
             <a:pPr marL="0" lvl="0" indent="0" algn="l" rtl="0">
@@ -7294,15 +7815,30 @@
                 <a:spcPts val="1200"/>
               </a:spcBef>
               <a:spcAft>
-                <a:spcPts val="0"/>
-              </a:spcAft>
-              <a:buNone/>
-            </a:pPr>
-            <a:r>
-              <a:rPr lang="en" dirty="0"/>
-              <a:t>Writes the current UserTracker onto the file</a:t>
-            </a:r>
-            <a:endParaRPr dirty="0"/>
+                <a:spcPts val="1200"/>
+              </a:spcAft>
+              <a:buNone/>
+            </a:pPr>
+            <a:r>
+              <a:rPr lang="en-US" dirty="0"/>
+              <a:t>Write </a:t>
+            </a:r>
+            <a:r>
+              <a:rPr lang="en-US" dirty="0" err="1"/>
+              <a:t>UserTracker’s</a:t>
+            </a:r>
+            <a:r>
+              <a:rPr lang="en-US" dirty="0"/>
+              <a:t> User values into an output database file (format csv properly, one user per line), filename should be used in </a:t>
+            </a:r>
+            <a:r>
+              <a:rPr lang="en-US" dirty="0" err="1"/>
+              <a:t>toAbsolutePath</a:t>
+            </a:r>
+            <a:r>
+              <a:rPr lang="en-US" dirty="0"/>
+              <a:t> to work on every device (since git pull/push)</a:t>
+            </a:r>
           </a:p>
           <a:p>
             <a:pPr marL="0" lvl="0" indent="0" algn="l" rtl="0">
@@ -7310,15 +7846,29 @@
                 <a:spcPts val="1200"/>
               </a:spcBef>
               <a:spcAft>
-                <a:spcPts val="0"/>
-              </a:spcAft>
-              <a:buNone/>
-            </a:pPr>
-            <a:r>
-              <a:rPr lang="en" dirty="0"/>
-              <a:t>Output: None</a:t>
-            </a:r>
-            <a:endParaRPr dirty="0"/>
+                <a:spcPts val="1200"/>
+              </a:spcAft>
+              <a:buNone/>
+            </a:pPr>
+            <a:r>
+              <a:rPr lang="en-US" dirty="0"/>
+              <a:t>- This needs an implementation of the </a:t>
+            </a:r>
+            <a:r>
+              <a:rPr lang="en-US" dirty="0" err="1"/>
+              <a:t>toString</a:t>
+            </a:r>
+            <a:r>
+              <a:rPr lang="en-US" dirty="0"/>
+              <a:t> method for the User (</a:t>
+            </a:r>
+            <a:r>
+              <a:rPr lang="en-US" dirty="0">
+                <a:sym typeface="Wingdings" panose="05000000000000000000" pitchFamily="2" charset="2"/>
+              </a:rPr>
+              <a:t> admin/customer) classes</a:t>
+            </a:r>
+            <a:endParaRPr lang="en-US" dirty="0"/>
           </a:p>
           <a:p>
             <a:pPr marL="0" lvl="0" indent="0" algn="l" rtl="0">
@@ -7330,6 +7880,10 @@
               </a:spcAft>
               <a:buNone/>
             </a:pPr>
+            <a:r>
+              <a:rPr lang="en-US" dirty="0"/>
+              <a:t>Then close the file.</a:t>
+            </a:r>
             <a:endParaRPr dirty="0"/>
           </a:p>
         </p:txBody>
@@ -7376,6 +7930,32 @@
             <a:r>
               <a:rPr lang="en" sz="1000" dirty="0"/>
               <a:t>UserTracker</a:t>
+            </a:r>
+          </a:p>
+          <a:p>
+            <a:pPr marL="0" lvl="0" indent="0" algn="l" rtl="0">
+              <a:spcBef>
+                <a:spcPts val="0"/>
+              </a:spcBef>
+              <a:spcAft>
+                <a:spcPts val="0"/>
+              </a:spcAft>
+              <a:buClr>
+                <a:schemeClr val="dk1"/>
+              </a:buClr>
+              <a:buSzPts val="1100"/>
+              <a:buFont typeface="Arial"/>
+              <a:buNone/>
+            </a:pPr>
+            <a:r>
+              <a:rPr lang="en" sz="1000" dirty="0"/>
+              <a:t>User </a:t>
+            </a:r>
+            <a:r>
+              <a:rPr lang="en" sz="1000" dirty="0">
+                <a:sym typeface="Wingdings" panose="05000000000000000000" pitchFamily="2" charset="2"/>
+              </a:rPr>
+              <a:t> Admin, Customer</a:t>
             </a:r>
             <a:endParaRPr sz="1000" dirty="0"/>
           </a:p>
@@ -7520,14 +8100,14 @@
               <a:buNone/>
             </a:pPr>
             <a:r>
-              <a:rPr lang="en" sz="700">
+              <a:rPr lang="en" sz="700" dirty="0">
                 <a:solidFill>
                   <a:schemeClr val="dk1"/>
                 </a:solidFill>
               </a:rPr>
-              <a:t>(Use Case)</a:t>
-            </a:r>
-            <a:endParaRPr sz="700">
+              <a:t>(Gateway)</a:t>
+            </a:r>
+            <a:endParaRPr sz="700" dirty="0">
               <a:solidFill>
                 <a:schemeClr val="dk1"/>
               </a:solidFill>
@@ -7543,7 +8123,7 @@
 </p:sld>
 </file>
 
-<file path=ppt/slides/slide11.xml><?xml version="1.0" encoding="utf-8"?>
+<file path=ppt/slides/slide12.xml><?xml version="1.0" encoding="utf-8"?>
 <p:sld xmlns:a="http://schemas.openxmlformats.org/drawingml/2006/main" xmlns:r="http://schemas.openxmlformats.org/officeDocument/2006/relationships" xmlns:p="http://schemas.openxmlformats.org/presentationml/2006/main">
   <p:cSld>
     <p:spTree>
@@ -7595,10 +8175,10 @@
               <a:buNone/>
             </a:pPr>
             <a:r>
-              <a:rPr lang="en" b="1"/>
-              <a:t>Load → Mani</a:t>
-            </a:r>
-            <a:endParaRPr b="1"/>
+              <a:rPr lang="en" b="1" dirty="0"/>
+              <a:t>Load</a:t>
+            </a:r>
+            <a:endParaRPr b="1" dirty="0"/>
           </a:p>
         </p:txBody>
       </p:sp>
@@ -7623,7 +8203,7 @@
         </p:spPr>
         <p:txBody>
           <a:bodyPr spcFirstLastPara="1" wrap="square" lIns="91425" tIns="91425" rIns="91425" bIns="91425" anchor="t" anchorCtr="0">
-            <a:normAutofit/>
+            <a:normAutofit lnSpcReduction="10000"/>
           </a:bodyPr>
           <a:lstStyle/>
           <a:p>
@@ -7642,15 +8222,22 @@
               <a:buNone/>
             </a:pPr>
             <a:r>
-              <a:rPr lang="en"/>
-              <a:t>Input: an open stream of a text (csv) file</a:t>
-            </a:r>
-            <a:endParaRPr/>
+              <a:rPr lang="en-US" dirty="0"/>
+              <a:t>Called at the beginning of the </a:t>
+            </a:r>
+            <a:r>
+              <a:rPr lang="en-US" dirty="0" err="1"/>
+              <a:t>MainApplication</a:t>
+            </a:r>
+            <a:r>
+              <a:rPr lang="en-US" dirty="0"/>
+              <a:t> Class.</a:t>
+            </a:r>
           </a:p>
           <a:p>
             <a:pPr marL="0" lvl="0" indent="0" algn="l" rtl="0">
               <a:spcBef>
-                <a:spcPts val="1200"/>
+                <a:spcPts val="0"/>
               </a:spcBef>
               <a:spcAft>
                 <a:spcPts val="0"/>
@@ -7662,19 +8249,15 @@
               <a:buFont typeface="Arial"/>
               <a:buNone/>
             </a:pPr>
-            <a:r>
-              <a:rPr lang="en"/>
-              <a:t>Reads the file, creates a new UserTracker object based on the file data</a:t>
-            </a:r>
-            <a:endParaRPr/>
+            <a:endParaRPr lang="en-US" dirty="0"/>
           </a:p>
           <a:p>
             <a:pPr marL="0" lvl="0" indent="0" algn="l" rtl="0">
               <a:spcBef>
-                <a:spcPts val="1200"/>
-              </a:spcBef>
-              <a:spcAft>
-                <a:spcPts val="1200"/>
+                <a:spcPts val="0"/>
+              </a:spcBef>
+              <a:spcAft>
+                <a:spcPts val="0"/>
               </a:spcAft>
               <a:buClr>
                 <a:schemeClr val="dk1"/>
@@ -7684,10 +8267,107 @@
               <a:buNone/>
             </a:pPr>
             <a:r>
-              <a:rPr lang="en"/>
-              <a:t>Output: None</a:t>
-            </a:r>
-            <a:endParaRPr/>
+              <a:rPr lang="en-US" dirty="0"/>
+              <a:t>Open the database file using its name and the </a:t>
+            </a:r>
+            <a:r>
+              <a:rPr lang="en-US" dirty="0" err="1"/>
+              <a:t>toAbsolutePath</a:t>
+            </a:r>
+            <a:r>
+              <a:rPr lang="en-US" dirty="0"/>
+              <a:t> method for the directory.</a:t>
+            </a:r>
+          </a:p>
+          <a:p>
+            <a:pPr marL="285750" lvl="0" indent="-285750" algn="l" rtl="0">
+              <a:spcBef>
+                <a:spcPts val="0"/>
+              </a:spcBef>
+              <a:spcAft>
+                <a:spcPts val="0"/>
+              </a:spcAft>
+              <a:buClr>
+                <a:schemeClr val="dk1"/>
+              </a:buClr>
+              <a:buSzPts val="1100"/>
+              <a:buFontTx/>
+              <a:buChar char="-"/>
+            </a:pPr>
+            <a:r>
+              <a:rPr lang="en-US" dirty="0"/>
+              <a:t>Check if file is empty first, return True if it is and False if not.</a:t>
+            </a:r>
+          </a:p>
+          <a:p>
+            <a:pPr marL="285750" lvl="0" indent="-285750" algn="l" rtl="0">
+              <a:spcBef>
+                <a:spcPts val="0"/>
+              </a:spcBef>
+              <a:spcAft>
+                <a:spcPts val="0"/>
+              </a:spcAft>
+              <a:buClr>
+                <a:schemeClr val="dk1"/>
+              </a:buClr>
+              <a:buSzPts val="1100"/>
+              <a:buFontTx/>
+              <a:buChar char="-"/>
+            </a:pPr>
+            <a:r>
+              <a:rPr lang="en-US" dirty="0"/>
+              <a:t>If not empty, then read line by line </a:t>
+            </a:r>
+          </a:p>
+          <a:p>
+            <a:pPr marL="742950" lvl="1" indent="-285750">
+              <a:buClr>
+                <a:schemeClr val="dk1"/>
+              </a:buClr>
+              <a:buSzPts val="1100"/>
+              <a:buFontTx/>
+              <a:buChar char="-"/>
+            </a:pPr>
+            <a:r>
+              <a:rPr lang="en-US" dirty="0"/>
+              <a:t>Helper method here to parse the line and create a User based on the parsed line</a:t>
+            </a:r>
+          </a:p>
+          <a:p>
+            <a:pPr marL="742950" lvl="1" indent="-285750">
+              <a:buClr>
+                <a:schemeClr val="dk1"/>
+              </a:buClr>
+              <a:buSzPts val="1100"/>
+              <a:buFontTx/>
+              <a:buChar char="-"/>
+            </a:pPr>
+            <a:r>
+              <a:rPr lang="en-US" dirty="0"/>
+              <a:t>Last “value” in the line is Admin or Customer status- use that to create appropriate object.</a:t>
+            </a:r>
+          </a:p>
+          <a:p>
+            <a:pPr marL="285750" indent="-285750">
+              <a:buClr>
+                <a:schemeClr val="dk1"/>
+              </a:buClr>
+              <a:buSzPts val="1100"/>
+              <a:buFontTx/>
+              <a:buChar char="-"/>
+            </a:pPr>
+            <a:r>
+              <a:rPr lang="en-US" dirty="0"/>
+              <a:t>Add Created User to </a:t>
+            </a:r>
+            <a:r>
+              <a:rPr lang="en-US" dirty="0" err="1"/>
+              <a:t>UserTracker</a:t>
+            </a:r>
+            <a:r>
+              <a:rPr lang="en-US" dirty="0"/>
+              <a:t> (should be empty)</a:t>
+            </a:r>
           </a:p>
         </p:txBody>
       </p:sp>
@@ -7731,22 +8411,36 @@
               <a:buNone/>
             </a:pPr>
             <a:r>
-              <a:rPr lang="en" sz="1000"/>
+              <a:rPr lang="en" sz="1000" dirty="0"/>
               <a:t>UserTracker</a:t>
             </a:r>
-            <a:endParaRPr sz="1000"/>
           </a:p>
           <a:p>
             <a:pPr marL="0" lvl="0" indent="0" algn="l" rtl="0">
               <a:spcBef>
-                <a:spcPts val="1200"/>
-              </a:spcBef>
-              <a:spcAft>
-                <a:spcPts val="1200"/>
-              </a:spcAft>
-              <a:buNone/>
-            </a:pPr>
-            <a:endParaRPr/>
+                <a:spcPts val="0"/>
+              </a:spcBef>
+              <a:spcAft>
+                <a:spcPts val="0"/>
+              </a:spcAft>
+              <a:buClr>
+                <a:schemeClr val="dk1"/>
+              </a:buClr>
+              <a:buSzPts val="1100"/>
+              <a:buFont typeface="Arial"/>
+              <a:buNone/>
+            </a:pPr>
+            <a:r>
+              <a:rPr lang="en" sz="1000" dirty="0"/>
+              <a:t>User </a:t>
+            </a:r>
+            <a:r>
+              <a:rPr lang="en" sz="1000" dirty="0">
+                <a:sym typeface="Wingdings" panose="05000000000000000000" pitchFamily="2" charset="2"/>
+              </a:rPr>
+              <a:t> Admin/Customer</a:t>
+            </a:r>
+            <a:endParaRPr sz="1000" dirty="0"/>
           </a:p>
         </p:txBody>
       </p:sp>
@@ -7877,14 +8571,14 @@
               <a:buNone/>
             </a:pPr>
             <a:r>
-              <a:rPr lang="en" sz="700">
+              <a:rPr lang="en" sz="700" dirty="0">
                 <a:solidFill>
                   <a:schemeClr val="dk1"/>
                 </a:solidFill>
               </a:rPr>
-              <a:t>(Use Case)</a:t>
-            </a:r>
-            <a:endParaRPr sz="700">
+              <a:t>(Gateway)</a:t>
+            </a:r>
+            <a:endParaRPr sz="700" dirty="0">
               <a:solidFill>
                 <a:schemeClr val="dk1"/>
               </a:solidFill>
@@ -7900,7 +8594,7 @@
 </p:sld>
 </file>
 
-<file path=ppt/slides/slide12.xml><?xml version="1.0" encoding="utf-8"?>
+<file path=ppt/slides/slide13.xml><?xml version="1.0" encoding="utf-8"?>
 <p:sld xmlns:a="http://schemas.openxmlformats.org/drawingml/2006/main" xmlns:r="http://schemas.openxmlformats.org/officeDocument/2006/relationships" xmlns:p="http://schemas.openxmlformats.org/presentationml/2006/main">
   <p:cSld>
     <p:spTree>
@@ -7952,10 +8646,10 @@
               <a:buNone/>
             </a:pPr>
             <a:r>
-              <a:rPr lang="en" b="1"/>
-              <a:t>USER→ Daniel</a:t>
-            </a:r>
-            <a:endParaRPr b="1"/>
+              <a:rPr lang="en" b="1" dirty="0"/>
+              <a:t>User</a:t>
+            </a:r>
+            <a:endParaRPr b="1" dirty="0"/>
           </a:p>
         </p:txBody>
       </p:sp>
@@ -7994,10 +8688,10 @@
               <a:buNone/>
             </a:pPr>
             <a:r>
-              <a:rPr lang="en"/>
+              <a:rPr lang="en" dirty="0"/>
               <a:t>Subclasses: Admin, Customer </a:t>
             </a:r>
-            <a:endParaRPr/>
+            <a:endParaRPr dirty="0"/>
           </a:p>
           <a:p>
             <a:pPr marL="0" lvl="0" indent="0" algn="l" rtl="0">
@@ -8010,10 +8704,9 @@
               <a:buNone/>
             </a:pPr>
             <a:r>
-              <a:rPr lang="en"/>
-              <a:t>Stores Information: Address(s), saved payment options, flight number(if on flight)</a:t>
-            </a:r>
-            <a:endParaRPr/>
+              <a:rPr lang="en" dirty="0"/>
+              <a:t>Stores Information:</a:t>
+            </a:r>
           </a:p>
           <a:p>
             <a:pPr marL="0" lvl="0" indent="0" algn="l" rtl="0">
@@ -8026,10 +8719,10 @@
               <a:buNone/>
             </a:pPr>
             <a:r>
-              <a:rPr lang="en"/>
-              <a:t>Getters for all private stored information</a:t>
-            </a:r>
-            <a:endParaRPr/>
+              <a:rPr lang="en" dirty="0"/>
+              <a:t>- Username, Password, DOB, Email, previous login dates, and more (beyond the scope of the login system)</a:t>
+            </a:r>
+            <a:endParaRPr lang="en-US" dirty="0"/>
           </a:p>
           <a:p>
             <a:pPr marL="0" lvl="0" indent="0" algn="l" rtl="0">
@@ -8037,15 +8730,27 @@
                 <a:spcPts val="1200"/>
               </a:spcBef>
               <a:spcAft>
-                <a:spcPts val="0"/>
-              </a:spcAft>
-              <a:buNone/>
-            </a:pPr>
-            <a:r>
-              <a:rPr lang="en"/>
-              <a:t>Previous login dates</a:t>
-            </a:r>
-            <a:endParaRPr/>
+                <a:spcPts val="1200"/>
+              </a:spcAft>
+              <a:buNone/>
+            </a:pPr>
+            <a:r>
+              <a:rPr lang="en-US" dirty="0"/>
+              <a:t>Abstract methods: </a:t>
+            </a:r>
+            <a:r>
+              <a:rPr lang="en-US" dirty="0" err="1"/>
+              <a:t>isAdmin</a:t>
+            </a:r>
+            <a:r>
+              <a:rPr lang="en-US" dirty="0"/>
+              <a:t> and </a:t>
+            </a:r>
+            <a:r>
+              <a:rPr lang="en-US" dirty="0" err="1"/>
+              <a:t>toString</a:t>
+            </a:r>
+            <a:endParaRPr lang="en-US" dirty="0"/>
           </a:p>
           <a:p>
             <a:pPr marL="0" lvl="0" indent="0" algn="l" rtl="0">
@@ -8053,43 +8758,14 @@
                 <a:spcPts val="1200"/>
               </a:spcBef>
               <a:spcAft>
-                <a:spcPts val="0"/>
-              </a:spcAft>
-              <a:buNone/>
-            </a:pPr>
-            <a:r>
-              <a:rPr lang="en"/>
-              <a:t>Previous tickets/flights </a:t>
-            </a:r>
-            <a:endParaRPr/>
-          </a:p>
-          <a:p>
-            <a:pPr marL="0" lvl="0" indent="0" algn="l" rtl="0">
-              <a:spcBef>
                 <a:spcPts val="1200"/>
-              </a:spcBef>
-              <a:spcAft>
-                <a:spcPts val="0"/>
-              </a:spcAft>
-              <a:buNone/>
-            </a:pPr>
-            <a:r>
-              <a:rPr lang="en"/>
-              <a:t>Abstract method: public boolean IsAdmin(){}</a:t>
-            </a:r>
-            <a:endParaRPr/>
-          </a:p>
-          <a:p>
-            <a:pPr marL="0" lvl="0" indent="0" algn="l" rtl="0">
-              <a:spcBef>
-                <a:spcPts val="1200"/>
-              </a:spcBef>
-              <a:spcAft>
-                <a:spcPts val="1200"/>
-              </a:spcAft>
-              <a:buNone/>
-            </a:pPr>
-            <a:endParaRPr/>
+              </a:spcAft>
+              <a:buNone/>
+            </a:pPr>
+            <a:r>
+              <a:rPr lang="en-US" dirty="0"/>
+              <a:t>Getters and setters for all information, and constructor for input of information.</a:t>
+            </a:r>
           </a:p>
         </p:txBody>
       </p:sp>
@@ -8133,10 +8809,9 @@
               <a:buNone/>
             </a:pPr>
             <a:r>
-              <a:rPr lang="en"/>
+              <a:rPr lang="en" dirty="0"/>
               <a:t>UserTracker</a:t>
             </a:r>
-            <a:endParaRPr/>
           </a:p>
         </p:txBody>
       </p:sp>
@@ -8351,14 +9026,14 @@
               <a:buNone/>
             </a:pPr>
             <a:r>
-              <a:rPr lang="en" sz="700">
+              <a:rPr lang="en" sz="700" dirty="0">
                 <a:solidFill>
                   <a:schemeClr val="dk1"/>
                 </a:solidFill>
               </a:rPr>
               <a:t>(Entity)</a:t>
             </a:r>
-            <a:endParaRPr sz="400"/>
+            <a:endParaRPr sz="400" dirty="0"/>
           </a:p>
         </p:txBody>
       </p:sp>
@@ -8370,7 +9045,7 @@
 </p:sld>
 </file>
 
-<file path=ppt/slides/slide13.xml><?xml version="1.0" encoding="utf-8"?>
+<file path=ppt/slides/slide14.xml><?xml version="1.0" encoding="utf-8"?>
 <p:sld xmlns:a="http://schemas.openxmlformats.org/drawingml/2006/main" xmlns:r="http://schemas.openxmlformats.org/officeDocument/2006/relationships" xmlns:p="http://schemas.openxmlformats.org/presentationml/2006/main">
   <p:cSld>
     <p:spTree>
@@ -8422,10 +9097,10 @@
               <a:buNone/>
             </a:pPr>
             <a:r>
-              <a:rPr lang="en" b="1"/>
-              <a:t>CUSTOMER → Taymoor</a:t>
-            </a:r>
-            <a:endParaRPr b="1"/>
+              <a:rPr lang="en" b="1" dirty="0"/>
+              <a:t>Customer</a:t>
+            </a:r>
+            <a:endParaRPr b="1" dirty="0"/>
           </a:p>
         </p:txBody>
       </p:sp>
@@ -8464,14 +9139,60 @@
               <a:buNone/>
             </a:pPr>
             <a:r>
-              <a:rPr lang="en"/>
-              <a:t>Implements IsAdmin{} : return False</a:t>
-            </a:r>
-            <a:endParaRPr/>
+              <a:rPr lang="en" dirty="0"/>
+              <a:t>Inherits getters and setters of User</a:t>
+            </a:r>
           </a:p>
           <a:p>
             <a:pPr marL="0" lvl="0" indent="0" algn="l" rtl="0">
               <a:spcBef>
+                <a:spcPts val="0"/>
+              </a:spcBef>
+              <a:spcAft>
+                <a:spcPts val="0"/>
+              </a:spcAft>
+              <a:buNone/>
+            </a:pPr>
+            <a:r>
+              <a:rPr lang="en-CA" dirty="0"/>
+              <a:t>C</a:t>
+            </a:r>
+            <a:r>
+              <a:rPr lang="en" dirty="0"/>
+              <a:t>onstructor is the same as User</a:t>
+            </a:r>
+          </a:p>
+          <a:p>
+            <a:pPr marL="0" lvl="0" indent="0" algn="l" rtl="0">
+              <a:spcBef>
+                <a:spcPts val="0"/>
+              </a:spcBef>
+              <a:spcAft>
+                <a:spcPts val="0"/>
+              </a:spcAft>
+              <a:buNone/>
+            </a:pPr>
+            <a:endParaRPr lang="en" dirty="0"/>
+          </a:p>
+          <a:p>
+            <a:pPr marL="0" lvl="0" indent="0" algn="l" rtl="0">
+              <a:spcBef>
+                <a:spcPts val="0"/>
+              </a:spcBef>
+              <a:spcAft>
+                <a:spcPts val="0"/>
+              </a:spcAft>
+              <a:buNone/>
+            </a:pPr>
+            <a:r>
+              <a:rPr lang="en" dirty="0"/>
+              <a:t>Implements IsAdmin: return False</a:t>
+            </a:r>
+            <a:endParaRPr dirty="0"/>
+          </a:p>
+          <a:p>
+            <a:pPr marL="0" lvl="0" indent="0" algn="l" rtl="0">
+              <a:spcBef>
                 <a:spcPts val="1200"/>
               </a:spcBef>
               <a:spcAft>
@@ -8479,28 +9200,27 @@
               </a:spcAft>
               <a:buNone/>
             </a:pPr>
-            <a:endParaRPr/>
-          </a:p>
-          <a:p>
-            <a:pPr marL="0" lvl="0" indent="0" algn="l" rtl="0">
-              <a:spcBef>
-                <a:spcPts val="1200"/>
-              </a:spcBef>
-              <a:spcAft>
-                <a:spcPts val="1200"/>
-              </a:spcAft>
-              <a:buClr>
-                <a:schemeClr val="dk1"/>
-              </a:buClr>
-              <a:buSzPts val="1100"/>
-              <a:buFont typeface="Arial"/>
-              <a:buNone/>
-            </a:pPr>
-            <a:r>
-              <a:rPr lang="en"/>
-              <a:t>Ability to purchase Ticket for a Flight listed in FlightTracker</a:t>
-            </a:r>
-            <a:endParaRPr/>
+            <a:r>
+              <a:rPr lang="en-US" dirty="0"/>
+              <a:t>Implements </a:t>
+            </a:r>
+            <a:r>
+              <a:rPr lang="en-US" dirty="0" err="1"/>
+              <a:t>toString</a:t>
+            </a:r>
+            <a:r>
+              <a:rPr lang="en-US" dirty="0"/>
+              <a:t>: return a string version of the user’s information (username, password, </a:t>
+            </a:r>
+            <a:r>
+              <a:rPr lang="en-US" dirty="0" err="1"/>
+              <a:t>etc</a:t>
+            </a:r>
+            <a:r>
+              <a:rPr lang="en-US" dirty="0"/>
+              <a:t>) using getters and concatenating them (with “,” in between). At the end of the string, the last string value added should be “,false”</a:t>
+            </a:r>
+            <a:endParaRPr dirty="0"/>
           </a:p>
         </p:txBody>
       </p:sp>
@@ -8539,10 +9259,21 @@
               <a:buNone/>
             </a:pPr>
             <a:r>
-              <a:rPr lang="en" sz="1000"/>
+              <a:rPr lang="en" sz="1000" dirty="0"/>
               <a:t>User</a:t>
             </a:r>
-            <a:endParaRPr/>
+          </a:p>
+          <a:p>
+            <a:pPr marL="0" lvl="0" indent="0" algn="l" rtl="0">
+              <a:spcBef>
+                <a:spcPts val="0"/>
+              </a:spcBef>
+              <a:spcAft>
+                <a:spcPts val="1200"/>
+              </a:spcAft>
+              <a:buNone/>
+            </a:pPr>
+            <a:endParaRPr lang="en" sz="1000" dirty="0"/>
           </a:p>
         </p:txBody>
       </p:sp>
@@ -8696,7 +9427,7 @@
 </p:sld>
 </file>
 
-<file path=ppt/slides/slide14.xml><?xml version="1.0" encoding="utf-8"?>
+<file path=ppt/slides/slide15.xml><?xml version="1.0" encoding="utf-8"?>
 <p:sld xmlns:a="http://schemas.openxmlformats.org/drawingml/2006/main" xmlns:r="http://schemas.openxmlformats.org/officeDocument/2006/relationships" xmlns:p="http://schemas.openxmlformats.org/presentationml/2006/main">
   <p:cSld>
     <p:spTree>
@@ -8748,10 +9479,10 @@
               <a:buNone/>
             </a:pPr>
             <a:r>
-              <a:rPr lang="en" b="1"/>
-              <a:t>ADMIN → Mani</a:t>
-            </a:r>
-            <a:endParaRPr b="1"/>
+              <a:rPr lang="en" b="1" dirty="0"/>
+              <a:t>Admin</a:t>
+            </a:r>
+            <a:endParaRPr b="1" dirty="0"/>
           </a:p>
         </p:txBody>
       </p:sp>
@@ -8787,6 +9518,102 @@
               <a:spcAft>
                 <a:spcPts val="0"/>
               </a:spcAft>
+              <a:buNone/>
+            </a:pPr>
+            <a:r>
+              <a:rPr lang="en-CA" dirty="0"/>
+              <a:t>Inherits getters and setters of User</a:t>
+            </a:r>
+          </a:p>
+          <a:p>
+            <a:pPr marL="0" lvl="0" indent="0" algn="l" rtl="0">
+              <a:spcBef>
+                <a:spcPts val="0"/>
+              </a:spcBef>
+              <a:spcAft>
+                <a:spcPts val="0"/>
+              </a:spcAft>
+              <a:buNone/>
+            </a:pPr>
+            <a:r>
+              <a:rPr lang="en-CA" dirty="0"/>
+              <a:t>Constructor is the same as User</a:t>
+            </a:r>
+          </a:p>
+          <a:p>
+            <a:pPr marL="0" lvl="0" indent="0" algn="l" rtl="0">
+              <a:spcBef>
+                <a:spcPts val="0"/>
+              </a:spcBef>
+              <a:spcAft>
+                <a:spcPts val="0"/>
+              </a:spcAft>
+              <a:buNone/>
+            </a:pPr>
+            <a:endParaRPr lang="en-CA" dirty="0"/>
+          </a:p>
+          <a:p>
+            <a:pPr marL="0" lvl="0" indent="0" algn="l" rtl="0">
+              <a:spcBef>
+                <a:spcPts val="0"/>
+              </a:spcBef>
+              <a:spcAft>
+                <a:spcPts val="0"/>
+              </a:spcAft>
+              <a:buNone/>
+            </a:pPr>
+            <a:r>
+              <a:rPr lang="en-CA" dirty="0"/>
+              <a:t>Implements </a:t>
+            </a:r>
+            <a:r>
+              <a:rPr lang="en-CA" dirty="0" err="1"/>
+              <a:t>IsAdmin</a:t>
+            </a:r>
+            <a:r>
+              <a:rPr lang="en-CA" dirty="0"/>
+              <a:t>: return True</a:t>
+            </a:r>
+          </a:p>
+          <a:p>
+            <a:pPr marL="0" lvl="0" indent="0" algn="l" rtl="0">
+              <a:spcBef>
+                <a:spcPts val="1200"/>
+              </a:spcBef>
+              <a:spcAft>
+                <a:spcPts val="0"/>
+              </a:spcAft>
+              <a:buNone/>
+            </a:pPr>
+            <a:r>
+              <a:rPr lang="en-CA" dirty="0"/>
+              <a:t>Implements </a:t>
+            </a:r>
+            <a:r>
+              <a:rPr lang="en-CA" dirty="0" err="1"/>
+              <a:t>toString</a:t>
+            </a:r>
+            <a:r>
+              <a:rPr lang="en-CA" dirty="0"/>
+              <a:t>: return a string version of the user’s information (username, password, </a:t>
+            </a:r>
+            <a:r>
+              <a:rPr lang="en-CA" dirty="0" err="1"/>
+              <a:t>etc</a:t>
+            </a:r>
+            <a:r>
+              <a:rPr lang="en-CA" dirty="0"/>
+              <a:t>) using getters and concatenating them (with “,” in between). At the end of the string, the last string value added should be “,true”</a:t>
+            </a:r>
+          </a:p>
+          <a:p>
+            <a:pPr marL="0" lvl="0" indent="0" algn="l" rtl="0">
+              <a:spcBef>
+                <a:spcPts val="1200"/>
+              </a:spcBef>
+              <a:spcAft>
+                <a:spcPts val="1200"/>
+              </a:spcAft>
               <a:buClr>
                 <a:schemeClr val="dk1"/>
               </a:buClr>
@@ -8794,70 +9621,7 @@
               <a:buFont typeface="Arial"/>
               <a:buNone/>
             </a:pPr>
-            <a:r>
-              <a:rPr lang="en"/>
-              <a:t>Overshadows the variables in User</a:t>
-            </a:r>
-            <a:endParaRPr/>
-          </a:p>
-          <a:p>
-            <a:pPr marL="0" lvl="0" indent="0" algn="l" rtl="0">
-              <a:spcBef>
-                <a:spcPts val="1200"/>
-              </a:spcBef>
-              <a:spcAft>
-                <a:spcPts val="0"/>
-              </a:spcAft>
-              <a:buClr>
-                <a:schemeClr val="dk1"/>
-              </a:buClr>
-              <a:buSzPts val="1100"/>
-              <a:buFont typeface="Arial"/>
-              <a:buNone/>
-            </a:pPr>
-            <a:r>
-              <a:rPr lang="en"/>
-              <a:t>Inherits the getters for the variables </a:t>
-            </a:r>
-            <a:endParaRPr/>
-          </a:p>
-          <a:p>
-            <a:pPr marL="0" lvl="0" indent="0" algn="l" rtl="0">
-              <a:spcBef>
-                <a:spcPts val="1200"/>
-              </a:spcBef>
-              <a:spcAft>
-                <a:spcPts val="0"/>
-              </a:spcAft>
-              <a:buClr>
-                <a:schemeClr val="dk1"/>
-              </a:buClr>
-              <a:buSzPts val="1100"/>
-              <a:buFont typeface="Arial"/>
-              <a:buNone/>
-            </a:pPr>
-            <a:r>
-              <a:rPr lang="en"/>
-              <a:t>Implement IsAdmin{}: return True</a:t>
-            </a:r>
-            <a:endParaRPr/>
-          </a:p>
-          <a:p>
-            <a:pPr marL="0" lvl="0" indent="0" algn="l" rtl="0">
-              <a:spcBef>
-                <a:spcPts val="1200"/>
-              </a:spcBef>
-              <a:spcAft>
-                <a:spcPts val="1200"/>
-              </a:spcAft>
-              <a:buClr>
-                <a:schemeClr val="dk1"/>
-              </a:buClr>
-              <a:buSzPts val="1100"/>
-              <a:buFont typeface="Arial"/>
-              <a:buNone/>
-            </a:pPr>
-            <a:endParaRPr/>
+            <a:endParaRPr dirty="0"/>
           </a:p>
         </p:txBody>
       </p:sp>
@@ -8896,10 +9660,10 @@
               <a:buNone/>
             </a:pPr>
             <a:r>
-              <a:rPr lang="en" sz="1000"/>
-              <a:t>USER</a:t>
-            </a:r>
-            <a:endParaRPr sz="1000"/>
+              <a:rPr lang="en" sz="1000" dirty="0"/>
+              <a:t>User</a:t>
+            </a:r>
+            <a:endParaRPr sz="1000" dirty="0"/>
           </a:p>
           <a:p>
             <a:pPr marL="0" lvl="0" indent="0" algn="l" rtl="0">
@@ -8911,7 +9675,7 @@
               </a:spcAft>
               <a:buNone/>
             </a:pPr>
-            <a:endParaRPr/>
+            <a:endParaRPr dirty="0"/>
           </a:p>
         </p:txBody>
       </p:sp>
@@ -9065,7 +9829,7 @@
 </p:sld>
 </file>
 
-<file path=ppt/slides/slide15.xml><?xml version="1.0" encoding="utf-8"?>
+<file path=ppt/slides/slide16.xml><?xml version="1.0" encoding="utf-8"?>
 <p:sld xmlns:a="http://schemas.openxmlformats.org/drawingml/2006/main" xmlns:r="http://schemas.openxmlformats.org/officeDocument/2006/relationships" xmlns:p="http://schemas.openxmlformats.org/presentationml/2006/main">
   <p:cSld>
     <p:spTree>
@@ -9117,10 +9881,10 @@
               <a:buNone/>
             </a:pPr>
             <a:r>
-              <a:rPr lang="en" b="1"/>
-              <a:t>USERTRACKER → Karl</a:t>
-            </a:r>
-            <a:endParaRPr b="1"/>
+              <a:rPr lang="en-US" b="1" dirty="0" err="1"/>
+              <a:t>UserTracker</a:t>
+            </a:r>
+            <a:endParaRPr b="1" dirty="0"/>
           </a:p>
           <a:p>
             <a:pPr marL="0" lvl="0" indent="0" algn="ctr" rtl="0">
@@ -9132,7 +9896,7 @@
               </a:spcAft>
               <a:buNone/>
             </a:pPr>
-            <a:endParaRPr b="1"/>
+            <a:endParaRPr b="1" dirty="0"/>
           </a:p>
         </p:txBody>
       </p:sp>
@@ -9157,29 +9921,36 @@
         </p:spPr>
         <p:txBody>
           <a:bodyPr spcFirstLastPara="1" wrap="square" lIns="91425" tIns="91425" rIns="91425" bIns="91425" anchor="t" anchorCtr="0">
-            <a:normAutofit lnSpcReduction="20000"/>
+            <a:normAutofit/>
           </a:bodyPr>
           <a:lstStyle/>
           <a:p>
-            <a:pPr marL="0" lvl="0" indent="0" algn="l" rtl="0">
-              <a:spcBef>
-                <a:spcPts val="0"/>
-              </a:spcBef>
-              <a:spcAft>
-                <a:spcPts val="0"/>
-              </a:spcAft>
-              <a:buNone/>
-            </a:pPr>
-            <a:endParaRPr sz="1100">
-              <a:solidFill>
+            <a:pPr marL="158750" lvl="0" indent="0" algn="l" rtl="0">
+              <a:spcBef>
+                <a:spcPts val="0"/>
+              </a:spcBef>
+              <a:spcAft>
+                <a:spcPts val="0"/>
+              </a:spcAft>
+              <a:buClr>
                 <a:schemeClr val="dk1"/>
-              </a:solidFill>
-            </a:endParaRPr>
+              </a:buClr>
+              <a:buSzPts val="1100"/>
+              <a:buNone/>
+            </a:pPr>
+            <a:r>
+              <a:rPr lang="en" sz="1100" dirty="0">
+                <a:solidFill>
+                  <a:schemeClr val="dk1"/>
+                </a:solidFill>
+              </a:rPr>
+              <a:t>Has a static hashmap that maps a username to its corresponding User</a:t>
+            </a:r>
           </a:p>
           <a:p>
             <a:pPr marL="457200" lvl="0" indent="-298450" algn="l" rtl="0">
               <a:spcBef>
-                <a:spcPts val="1200"/>
+                <a:spcPts val="0"/>
               </a:spcBef>
               <a:spcAft>
                 <a:spcPts val="0"/>
@@ -9191,14 +9962,123 @@
               <a:buChar char="●"/>
             </a:pPr>
             <a:r>
-              <a:rPr lang="en" sz="1100">
+              <a:rPr lang="en" sz="1100" dirty="0">
                 <a:solidFill>
                   <a:schemeClr val="dk1"/>
                 </a:solidFill>
               </a:rPr>
-              <a:t>A List or Map that keep track of all the users in the system.</a:t>
-            </a:r>
-            <a:endParaRPr sz="1100">
+              <a:t>Getter/setter for all users map</a:t>
+            </a:r>
+          </a:p>
+          <a:p>
+            <a:pPr marL="158750" lvl="0" indent="0" algn="l" rtl="0">
+              <a:spcBef>
+                <a:spcPts val="0"/>
+              </a:spcBef>
+              <a:spcAft>
+                <a:spcPts val="0"/>
+              </a:spcAft>
+              <a:buClr>
+                <a:schemeClr val="dk1"/>
+              </a:buClr>
+              <a:buSzPts val="1100"/>
+              <a:buNone/>
+            </a:pPr>
+            <a:endParaRPr lang="en" sz="1100" dirty="0">
+              <a:solidFill>
+                <a:schemeClr val="dk1"/>
+              </a:solidFill>
+            </a:endParaRPr>
+          </a:p>
+          <a:p>
+            <a:pPr marL="158750" lvl="0" indent="0" algn="l" rtl="0">
+              <a:spcBef>
+                <a:spcPts val="0"/>
+              </a:spcBef>
+              <a:spcAft>
+                <a:spcPts val="0"/>
+              </a:spcAft>
+              <a:buClr>
+                <a:schemeClr val="dk1"/>
+              </a:buClr>
+              <a:buSzPts val="1100"/>
+              <a:buNone/>
+            </a:pPr>
+            <a:r>
+              <a:rPr lang="en" sz="1100" dirty="0">
+                <a:solidFill>
+                  <a:schemeClr val="dk1"/>
+                </a:solidFill>
+              </a:rPr>
+              <a:t>Keeps track of who is currently using the program (current user) </a:t>
+            </a:r>
+          </a:p>
+          <a:p>
+            <a:pPr marL="158750" lvl="0" indent="0" algn="l" rtl="0">
+              <a:spcBef>
+                <a:spcPts val="0"/>
+              </a:spcBef>
+              <a:spcAft>
+                <a:spcPts val="0"/>
+              </a:spcAft>
+              <a:buClr>
+                <a:schemeClr val="dk1"/>
+              </a:buClr>
+              <a:buSzPts val="1100"/>
+              <a:buNone/>
+            </a:pPr>
+            <a:r>
+              <a:rPr lang="en" sz="1100" dirty="0">
+                <a:solidFill>
+                  <a:schemeClr val="dk1"/>
+                </a:solidFill>
+              </a:rPr>
+              <a:t>Getter/Setter for the current user of the program</a:t>
+            </a:r>
+          </a:p>
+          <a:p>
+            <a:pPr marL="158750" lvl="0" indent="0" algn="l" rtl="0">
+              <a:spcBef>
+                <a:spcPts val="0"/>
+              </a:spcBef>
+              <a:spcAft>
+                <a:spcPts val="0"/>
+              </a:spcAft>
+              <a:buClr>
+                <a:schemeClr val="dk1"/>
+              </a:buClr>
+              <a:buSzPts val="1100"/>
+              <a:buNone/>
+            </a:pPr>
+            <a:endParaRPr lang="en" sz="1100" dirty="0">
+              <a:solidFill>
+                <a:schemeClr val="dk1"/>
+              </a:solidFill>
+            </a:endParaRPr>
+          </a:p>
+          <a:p>
+            <a:pPr marL="158750" lvl="0" indent="0" algn="l" rtl="0">
+              <a:spcBef>
+                <a:spcPts val="0"/>
+              </a:spcBef>
+              <a:spcAft>
+                <a:spcPts val="0"/>
+              </a:spcAft>
+              <a:buClr>
+                <a:schemeClr val="dk1"/>
+              </a:buClr>
+              <a:buSzPts val="1100"/>
+              <a:buNone/>
+            </a:pPr>
+            <a:r>
+              <a:rPr lang="en" sz="1100" dirty="0">
+                <a:solidFill>
+                  <a:schemeClr val="dk1"/>
+                </a:solidFill>
+              </a:rPr>
+              <a:t>Should have methods that:</a:t>
+            </a:r>
+            <a:endParaRPr sz="1100" dirty="0">
               <a:solidFill>
                 <a:schemeClr val="dk1"/>
               </a:solidFill>
@@ -9219,14 +10099,14 @@
               <a:buChar char="●"/>
             </a:pPr>
             <a:r>
-              <a:rPr lang="en" sz="1100">
+              <a:rPr lang="en" sz="1100" dirty="0">
                 <a:solidFill>
                   <a:schemeClr val="dk1"/>
                 </a:solidFill>
               </a:rPr>
-              <a:t>Check if a User with username is in the system or not.</a:t>
-            </a:r>
-            <a:endParaRPr sz="1100">
+              <a:t>Add a new User to the tracker, taking in that User as a parameter</a:t>
+            </a:r>
+            <a:endParaRPr sz="1100" dirty="0">
               <a:solidFill>
                 <a:schemeClr val="dk1"/>
               </a:solidFill>
@@ -9247,186 +10127,61 @@
               <a:buChar char="●"/>
             </a:pPr>
             <a:r>
-              <a:rPr lang="en" sz="1100">
+              <a:rPr lang="en" sz="1100" dirty="0">
                 <a:solidFill>
                   <a:schemeClr val="dk1"/>
                 </a:solidFill>
               </a:rPr>
-              <a:t>(getter) get the Number of regular Users, and number of users with membership.</a:t>
-            </a:r>
-            <a:endParaRPr sz="1100">
+              <a:t>Remove user from the tracker, taking in a username as a parameter</a:t>
+            </a:r>
+          </a:p>
+          <a:p>
+            <a:pPr marL="158750" lvl="0" indent="0" algn="l" rtl="0">
+              <a:spcBef>
+                <a:spcPts val="0"/>
+              </a:spcBef>
+              <a:spcAft>
+                <a:spcPts val="0"/>
+              </a:spcAft>
+              <a:buClr>
+                <a:schemeClr val="dk1"/>
+              </a:buClr>
+              <a:buSzPts val="1100"/>
+              <a:buNone/>
+            </a:pPr>
+            <a:endParaRPr sz="1100" dirty="0">
               <a:solidFill>
                 <a:schemeClr val="dk1"/>
               </a:solidFill>
             </a:endParaRPr>
           </a:p>
           <a:p>
-            <a:pPr marL="457200" lvl="0" indent="-298450" algn="l" rtl="0">
-              <a:spcBef>
-                <a:spcPts val="0"/>
-              </a:spcBef>
-              <a:spcAft>
-                <a:spcPts val="0"/>
-              </a:spcAft>
-              <a:buClr>
-                <a:schemeClr val="dk1"/>
-              </a:buClr>
-              <a:buSzPts val="1100"/>
-              <a:buChar char="●"/>
-            </a:pPr>
-            <a:r>
-              <a:rPr lang="en" sz="1100">
-                <a:solidFill>
-                  <a:schemeClr val="dk1"/>
-                </a:solidFill>
-              </a:rPr>
-              <a:t>(getter) get user information (password, DOB, payment, address, is admin or not etc.) with username passed in as parameter.</a:t>
-            </a:r>
-            <a:endParaRPr sz="1100">
+            <a:pPr marL="0" lvl="0" indent="0" algn="l" rtl="0">
+              <a:spcBef>
+                <a:spcPts val="1200"/>
+              </a:spcBef>
+              <a:spcAft>
+                <a:spcPts val="0"/>
+              </a:spcAft>
+              <a:buNone/>
+            </a:pPr>
+            <a:endParaRPr sz="1100" dirty="0">
               <a:solidFill>
                 <a:schemeClr val="dk1"/>
               </a:solidFill>
             </a:endParaRPr>
           </a:p>
           <a:p>
-            <a:pPr marL="457200" lvl="0" indent="-298450" algn="l" rtl="0">
-              <a:spcBef>
-                <a:spcPts val="0"/>
-              </a:spcBef>
-              <a:spcAft>
-                <a:spcPts val="0"/>
-              </a:spcAft>
-              <a:buClr>
-                <a:schemeClr val="dk1"/>
-              </a:buClr>
-              <a:buSzPts val="1100"/>
-              <a:buChar char="●"/>
-            </a:pPr>
-            <a:r>
-              <a:rPr lang="en" sz="1100">
-                <a:solidFill>
-                  <a:schemeClr val="dk1"/>
-                </a:solidFill>
-              </a:rPr>
-              <a:t>(getter) Know/get a user is on which flight (username passed in as parameter).</a:t>
-            </a:r>
-            <a:endParaRPr sz="1100">
-              <a:solidFill>
-                <a:schemeClr val="dk1"/>
-              </a:solidFill>
-            </a:endParaRPr>
-          </a:p>
-          <a:p>
-            <a:pPr marL="457200" lvl="0" indent="-298450" algn="l" rtl="0">
-              <a:spcBef>
-                <a:spcPts val="0"/>
-              </a:spcBef>
-              <a:spcAft>
-                <a:spcPts val="0"/>
-              </a:spcAft>
-              <a:buClr>
-                <a:schemeClr val="dk1"/>
-              </a:buClr>
-              <a:buSzPts val="1100"/>
-              <a:buChar char="●"/>
-            </a:pPr>
-            <a:r>
-              <a:rPr lang="en" sz="1100">
-                <a:solidFill>
-                  <a:schemeClr val="dk1"/>
-                </a:solidFill>
-              </a:rPr>
-              <a:t>(setter) Set last login date for User.</a:t>
-            </a:r>
-            <a:endParaRPr sz="1100">
-              <a:solidFill>
-                <a:schemeClr val="dk1"/>
-              </a:solidFill>
-            </a:endParaRPr>
-          </a:p>
-          <a:p>
-            <a:pPr marL="457200" lvl="0" indent="-298450" algn="l" rtl="0">
-              <a:spcBef>
-                <a:spcPts val="0"/>
-              </a:spcBef>
-              <a:spcAft>
-                <a:spcPts val="0"/>
-              </a:spcAft>
-              <a:buClr>
-                <a:schemeClr val="dk1"/>
-              </a:buClr>
-              <a:buSzPts val="1100"/>
-              <a:buChar char="●"/>
-            </a:pPr>
-            <a:r>
-              <a:rPr lang="en" sz="1100">
-                <a:solidFill>
-                  <a:schemeClr val="dk1"/>
-                </a:solidFill>
-              </a:rPr>
-              <a:t>Add a new User to the tracker.</a:t>
-            </a:r>
-            <a:endParaRPr sz="1100">
-              <a:solidFill>
-                <a:schemeClr val="dk1"/>
-              </a:solidFill>
-            </a:endParaRPr>
-          </a:p>
-          <a:p>
-            <a:pPr marL="457200" lvl="0" indent="-298450" algn="l" rtl="0">
-              <a:spcBef>
-                <a:spcPts val="0"/>
-              </a:spcBef>
-              <a:spcAft>
-                <a:spcPts val="0"/>
-              </a:spcAft>
-              <a:buClr>
-                <a:schemeClr val="dk1"/>
-              </a:buClr>
-              <a:buSzPts val="1100"/>
-              <a:buChar char="●"/>
-            </a:pPr>
-            <a:r>
-              <a:rPr lang="en" sz="1100">
-                <a:solidFill>
-                  <a:schemeClr val="dk1"/>
-                </a:solidFill>
-              </a:rPr>
-              <a:t>Remove user from the tracker.</a:t>
-            </a:r>
-            <a:endParaRPr sz="1100">
-              <a:solidFill>
-                <a:schemeClr val="dk1"/>
-              </a:solidFill>
-            </a:endParaRPr>
-          </a:p>
-          <a:p>
             <a:pPr marL="0" lvl="0" indent="0" algn="l" rtl="0">
               <a:spcBef>
                 <a:spcPts val="1200"/>
               </a:spcBef>
               <a:spcAft>
-                <a:spcPts val="0"/>
-              </a:spcAft>
-              <a:buNone/>
-            </a:pPr>
-            <a:endParaRPr sz="1100">
-              <a:solidFill>
-                <a:schemeClr val="dk1"/>
-              </a:solidFill>
-            </a:endParaRPr>
-          </a:p>
-          <a:p>
-            <a:pPr marL="0" lvl="0" indent="0" algn="l" rtl="0">
-              <a:spcBef>
                 <a:spcPts val="1200"/>
-              </a:spcBef>
-              <a:spcAft>
-                <a:spcPts val="1200"/>
-              </a:spcAft>
-              <a:buNone/>
-            </a:pPr>
-            <a:endParaRPr/>
+              </a:spcAft>
+              <a:buNone/>
+            </a:pPr>
+            <a:endParaRPr dirty="0"/>
           </a:p>
         </p:txBody>
       </p:sp>
@@ -9465,22 +10220,16 @@
               <a:buNone/>
             </a:pPr>
             <a:r>
-              <a:rPr lang="en" sz="1000"/>
-              <a:t>User (and all subclasses of User, e.g Admin, Customer)</a:t>
-            </a:r>
-            <a:endParaRPr sz="1000"/>
-          </a:p>
-          <a:p>
-            <a:pPr marL="0" lvl="0" indent="0" algn="l" rtl="0">
-              <a:spcBef>
-                <a:spcPts val="1200"/>
-              </a:spcBef>
-              <a:spcAft>
-                <a:spcPts val="1200"/>
-              </a:spcAft>
-              <a:buNone/>
-            </a:pPr>
-            <a:endParaRPr/>
+              <a:rPr lang="en" sz="1000" dirty="0"/>
+              <a:t>User </a:t>
+            </a:r>
+            <a:r>
+              <a:rPr lang="en" sz="1000" dirty="0">
+                <a:sym typeface="Wingdings" panose="05000000000000000000" pitchFamily="2" charset="2"/>
+              </a:rPr>
+              <a:t> Admin, Customer</a:t>
+            </a:r>
+            <a:endParaRPr dirty="0"/>
           </a:p>
         </p:txBody>
       </p:sp>
@@ -9697,7 +10446,7 @@
         </p:nvSpPr>
         <p:spPr>
           <a:xfrm>
-            <a:off x="311700" y="445025"/>
+            <a:off x="356753" y="318138"/>
             <a:ext cx="8520600" cy="572700"/>
           </a:xfrm>
           <a:prstGeom prst="rect">
@@ -9720,10 +10469,10 @@
               <a:buNone/>
             </a:pPr>
             <a:r>
-              <a:rPr lang="en" b="1"/>
-              <a:t>MainApplication → Mani</a:t>
-            </a:r>
-            <a:endParaRPr b="1"/>
+              <a:rPr lang="en" b="1" dirty="0"/>
+              <a:t>MainApplication</a:t>
+            </a:r>
+            <a:endParaRPr b="1" dirty="0"/>
           </a:p>
         </p:txBody>
       </p:sp>
@@ -9762,14 +10511,70 @@
               <a:buNone/>
             </a:pPr>
             <a:r>
-              <a:rPr lang="en"/>
-              <a:t>Loads the already existing database file of users: Calls the LoadFrom class</a:t>
-            </a:r>
-            <a:endParaRPr/>
+              <a:rPr lang="en-CA" dirty="0"/>
+              <a:t>Calls the Load Class</a:t>
+            </a:r>
           </a:p>
           <a:p>
             <a:pPr marL="0" lvl="0" indent="0" algn="l" rtl="0">
               <a:spcBef>
+                <a:spcPts val="0"/>
+              </a:spcBef>
+              <a:spcAft>
+                <a:spcPts val="0"/>
+              </a:spcAft>
+              <a:buNone/>
+            </a:pPr>
+            <a:endParaRPr lang="en-CA" dirty="0"/>
+          </a:p>
+          <a:p>
+            <a:pPr marL="285750" lvl="0" indent="-285750" algn="l" rtl="0">
+              <a:spcBef>
+                <a:spcPts val="0"/>
+              </a:spcBef>
+              <a:spcAft>
+                <a:spcPts val="0"/>
+              </a:spcAft>
+              <a:buFontTx/>
+              <a:buChar char="-"/>
+            </a:pPr>
+            <a:r>
+              <a:rPr lang="en-CA" dirty="0"/>
+              <a:t>Check to see if the Database is empty, in which case it creates the first Admin and then saves it in the Database by calling Save Class</a:t>
+            </a:r>
+          </a:p>
+          <a:p>
+            <a:pPr marL="285750" lvl="0" indent="-285750" algn="l" rtl="0">
+              <a:spcBef>
+                <a:spcPts val="0"/>
+              </a:spcBef>
+              <a:spcAft>
+                <a:spcPts val="0"/>
+              </a:spcAft>
+              <a:buFontTx/>
+              <a:buChar char="-"/>
+            </a:pPr>
+            <a:endParaRPr lang="en-CA" dirty="0"/>
+          </a:p>
+          <a:p>
+            <a:pPr marL="0" lvl="0" indent="0" algn="l" rtl="0">
+              <a:spcBef>
+                <a:spcPts val="0"/>
+              </a:spcBef>
+              <a:spcAft>
+                <a:spcPts val="0"/>
+              </a:spcAft>
+              <a:buNone/>
+            </a:pPr>
+            <a:r>
+              <a:rPr lang="en" dirty="0"/>
+              <a:t>Calls the LoginMenu Class</a:t>
+            </a:r>
+            <a:endParaRPr dirty="0"/>
+          </a:p>
+          <a:p>
+            <a:pPr marL="0" lvl="0" indent="0" algn="l" rtl="0">
+              <a:spcBef>
                 <a:spcPts val="1200"/>
               </a:spcBef>
               <a:spcAft>
@@ -9778,10 +10583,10 @@
               <a:buNone/>
             </a:pPr>
             <a:r>
-              <a:rPr lang="en"/>
-              <a:t>Calls the LoginMenuClass</a:t>
-            </a:r>
-            <a:endParaRPr/>
+              <a:rPr lang="en-CA" dirty="0"/>
+              <a:t>Calls the Save Class</a:t>
+            </a:r>
+            <a:endParaRPr dirty="0"/>
           </a:p>
           <a:p>
             <a:pPr marL="0" lvl="0" indent="0" algn="l" rtl="0">
@@ -9793,11 +10598,7 @@
               </a:spcAft>
               <a:buNone/>
             </a:pPr>
-            <a:r>
-              <a:rPr lang="en"/>
-              <a:t>Saves the program’s instance of the database to the file: Calls the SaveToClass</a:t>
-            </a:r>
-            <a:endParaRPr/>
+            <a:endParaRPr dirty="0"/>
           </a:p>
           <a:p>
             <a:pPr marL="0" lvl="0" indent="0" algn="l" rtl="0">
@@ -9809,7 +10610,7 @@
               </a:spcAft>
               <a:buNone/>
             </a:pPr>
-            <a:endParaRPr/>
+            <a:endParaRPr dirty="0"/>
           </a:p>
           <a:p>
             <a:pPr marL="0" lvl="0" indent="0" algn="l" rtl="0">
@@ -9817,23 +10618,11 @@
                 <a:spcPts val="1200"/>
               </a:spcBef>
               <a:spcAft>
-                <a:spcPts val="0"/>
-              </a:spcAft>
-              <a:buNone/>
-            </a:pPr>
-            <a:endParaRPr/>
-          </a:p>
-          <a:p>
-            <a:pPr marL="0" lvl="0" indent="0" algn="l" rtl="0">
-              <a:spcBef>
                 <a:spcPts val="1200"/>
-              </a:spcBef>
-              <a:spcAft>
-                <a:spcPts val="1200"/>
-              </a:spcAft>
-              <a:buNone/>
-            </a:pPr>
-            <a:endParaRPr/>
+              </a:spcAft>
+              <a:buNone/>
+            </a:pPr>
+            <a:endParaRPr dirty="0"/>
           </a:p>
         </p:txBody>
       </p:sp>
@@ -9877,10 +10666,10 @@
               <a:buNone/>
             </a:pPr>
             <a:r>
-              <a:rPr lang="en" sz="1000"/>
-              <a:t>LoadFrom Class</a:t>
-            </a:r>
-            <a:endParaRPr sz="1000"/>
+              <a:rPr lang="en" sz="1000" dirty="0"/>
+              <a:t>Load Class</a:t>
+            </a:r>
+            <a:endParaRPr sz="1000" dirty="0"/>
           </a:p>
           <a:p>
             <a:pPr marL="0" lvl="0" indent="0" algn="l" rtl="0">
@@ -9898,10 +10687,10 @@
               <a:buNone/>
             </a:pPr>
             <a:r>
-              <a:rPr lang="en" sz="1000"/>
+              <a:rPr lang="en" sz="1000" dirty="0"/>
               <a:t>LoginMenuClass</a:t>
             </a:r>
-            <a:endParaRPr sz="1000"/>
+            <a:endParaRPr sz="1000" dirty="0"/>
           </a:p>
           <a:p>
             <a:pPr marL="0" lvl="0" indent="0" algn="l" rtl="0">
@@ -9919,10 +10708,9 @@
               <a:buNone/>
             </a:pPr>
             <a:r>
-              <a:rPr lang="en" sz="1000"/>
-              <a:t>SaveToClass</a:t>
-            </a:r>
-            <a:endParaRPr sz="1000"/>
+              <a:rPr lang="en" sz="1000" dirty="0"/>
+              <a:t>Save Class</a:t>
+            </a:r>
           </a:p>
           <a:p>
             <a:pPr marL="0" lvl="0" indent="0" algn="l" rtl="0">
@@ -9930,11 +10718,32 @@
                 <a:spcPts val="1200"/>
               </a:spcBef>
               <a:spcAft>
+                <a:spcPts val="0"/>
+              </a:spcAft>
+              <a:buClr>
+                <a:schemeClr val="dk1"/>
+              </a:buClr>
+              <a:buSzPts val="1100"/>
+              <a:buFont typeface="Arial"/>
+              <a:buNone/>
+            </a:pPr>
+            <a:r>
+              <a:rPr lang="en" sz="1000" dirty="0"/>
+              <a:t>AddAdmin Class</a:t>
+            </a:r>
+            <a:endParaRPr sz="1000" dirty="0"/>
+          </a:p>
+          <a:p>
+            <a:pPr marL="0" lvl="0" indent="0" algn="l" rtl="0">
+              <a:spcBef>
                 <a:spcPts val="1200"/>
-              </a:spcAft>
-              <a:buNone/>
-            </a:pPr>
-            <a:endParaRPr/>
+              </a:spcBef>
+              <a:spcAft>
+                <a:spcPts val="1200"/>
+              </a:spcAft>
+              <a:buNone/>
+            </a:pPr>
+            <a:endParaRPr dirty="0"/>
           </a:p>
         </p:txBody>
       </p:sp>
@@ -9948,7 +10757,7 @@
         </p:nvCxnSpPr>
         <p:spPr>
           <a:xfrm>
-            <a:off x="4572000" y="1017725"/>
+            <a:off x="4617053" y="890838"/>
             <a:ext cx="0" cy="3561300"/>
           </a:xfrm>
           <a:prstGeom prst="straightConnector1">
@@ -10070,14 +10879,14 @@
               <a:buNone/>
             </a:pPr>
             <a:r>
-              <a:rPr lang="en" sz="700">
+              <a:rPr lang="en" sz="700" dirty="0">
                 <a:solidFill>
                   <a:schemeClr val="dk1"/>
                 </a:solidFill>
               </a:rPr>
-              <a:t>(UI + Presenter + Controller)</a:t>
-            </a:r>
-            <a:endParaRPr sz="400"/>
+              <a:t>(UI + Presenter)</a:t>
+            </a:r>
+            <a:endParaRPr sz="400" dirty="0"/>
           </a:p>
         </p:txBody>
       </p:sp>
@@ -10141,10 +10950,10 @@
               <a:buNone/>
             </a:pPr>
             <a:r>
-              <a:rPr lang="en" b="1"/>
-              <a:t>LoginMenuClass  → Daniel</a:t>
-            </a:r>
-            <a:endParaRPr b="1"/>
+              <a:rPr lang="en" b="1" dirty="0"/>
+              <a:t>LoginMenuClass </a:t>
+            </a:r>
+            <a:endParaRPr b="1" dirty="0"/>
           </a:p>
         </p:txBody>
       </p:sp>
@@ -10169,68 +10978,149 @@
         </p:spPr>
         <p:txBody>
           <a:bodyPr spcFirstLastPara="1" wrap="square" lIns="91425" tIns="91425" rIns="91425" bIns="91425" anchor="t" anchorCtr="0">
-            <a:normAutofit fontScale="25000" lnSpcReduction="20000"/>
+            <a:normAutofit/>
           </a:bodyPr>
           <a:lstStyle/>
           <a:p>
-            <a:pPr marL="457200" lvl="0" indent="-298450" algn="l" rtl="0">
-              <a:spcBef>
-                <a:spcPts val="0"/>
-              </a:spcBef>
-              <a:spcAft>
-                <a:spcPts val="0"/>
-              </a:spcAft>
-              <a:buClr>
-                <a:schemeClr val="dk1"/>
-              </a:buClr>
-              <a:buSzPct val="100000"/>
-              <a:buChar char="●"/>
-            </a:pPr>
-            <a:r>
-              <a:rPr lang="en" sz="4400">
-                <a:solidFill>
-                  <a:schemeClr val="dk1"/>
-                </a:solidFill>
-              </a:rPr>
-              <a:t>Allows user to enter credentials(Username, Password)</a:t>
-            </a:r>
-            <a:endParaRPr sz="4400">
-              <a:solidFill>
-                <a:schemeClr val="dk1"/>
-              </a:solidFill>
-            </a:endParaRPr>
-          </a:p>
-          <a:p>
-            <a:pPr marL="914400" lvl="1" indent="-298450" algn="l" rtl="0">
-              <a:spcBef>
-                <a:spcPts val="0"/>
-              </a:spcBef>
-              <a:spcAft>
-                <a:spcPts val="0"/>
-              </a:spcAft>
-              <a:buClr>
-                <a:schemeClr val="dk1"/>
-              </a:buClr>
-              <a:buSzPct val="100000"/>
-              <a:buChar char="○"/>
-            </a:pPr>
-            <a:r>
-              <a:rPr lang="en" sz="4400">
-                <a:solidFill>
-                  <a:schemeClr val="dk1"/>
-                </a:solidFill>
-              </a:rPr>
-              <a:t>(optional) Redirect to RegistrationMenu class to create a new user</a:t>
-            </a:r>
-            <a:endParaRPr sz="4400">
-              <a:solidFill>
-                <a:schemeClr val="dk1"/>
-              </a:solidFill>
-            </a:endParaRPr>
-          </a:p>
-          <a:p>
             <a:pPr marL="0" lvl="0" indent="0" algn="l" rtl="0">
               <a:spcBef>
+                <a:spcPts val="0"/>
+              </a:spcBef>
+              <a:spcAft>
+                <a:spcPts val="0"/>
+              </a:spcAft>
+              <a:buNone/>
+            </a:pPr>
+            <a:r>
+              <a:rPr lang="en-CA" dirty="0"/>
+              <a:t>Two methods:</a:t>
+            </a:r>
+          </a:p>
+          <a:p>
+            <a:pPr marL="285750" lvl="0" indent="-285750" algn="l" rtl="0">
+              <a:spcBef>
+                <a:spcPts val="0"/>
+              </a:spcBef>
+              <a:spcAft>
+                <a:spcPts val="0"/>
+              </a:spcAft>
+              <a:buFontTx/>
+              <a:buChar char="-"/>
+            </a:pPr>
+            <a:r>
+              <a:rPr lang="en-CA" dirty="0"/>
+              <a:t>Prompt method to show user if they want to login or register</a:t>
+            </a:r>
+          </a:p>
+          <a:p>
+            <a:pPr marL="742950" lvl="1" indent="-285750">
+              <a:buFontTx/>
+              <a:buChar char="-"/>
+            </a:pPr>
+            <a:r>
+              <a:rPr lang="en-CA" dirty="0"/>
+              <a:t>Should show options, then ask for input</a:t>
+            </a:r>
+          </a:p>
+          <a:p>
+            <a:pPr marL="742950" lvl="1" indent="-285750">
+              <a:buFontTx/>
+              <a:buChar char="-"/>
+            </a:pPr>
+            <a:r>
+              <a:rPr lang="en-CA" dirty="0"/>
+              <a:t>If they want to register, Call </a:t>
+            </a:r>
+            <a:r>
+              <a:rPr lang="en-CA" b="1" dirty="0" err="1"/>
+              <a:t>RegisterMenu</a:t>
+            </a:r>
+            <a:endParaRPr lang="en-CA" b="1" dirty="0"/>
+          </a:p>
+          <a:p>
+            <a:pPr marL="285750" lvl="0" indent="-285750" algn="l" rtl="0">
+              <a:spcBef>
+                <a:spcPts val="0"/>
+              </a:spcBef>
+              <a:spcAft>
+                <a:spcPts val="0"/>
+              </a:spcAft>
+              <a:buFontTx/>
+              <a:buChar char="-"/>
+            </a:pPr>
+            <a:r>
+              <a:rPr lang="en-CA" dirty="0"/>
+              <a:t>Menu method to ask for Username and password</a:t>
+            </a:r>
+          </a:p>
+          <a:p>
+            <a:pPr marL="742950" lvl="1" indent="-285750">
+              <a:buFontTx/>
+              <a:buChar char="-"/>
+            </a:pPr>
+            <a:r>
+              <a:rPr lang="en-CA" dirty="0"/>
+              <a:t>Then Call </a:t>
+            </a:r>
+            <a:r>
+              <a:rPr lang="en-CA" b="1" dirty="0" err="1"/>
+              <a:t>LoginUseCase</a:t>
+            </a:r>
+            <a:r>
+              <a:rPr lang="en-CA" dirty="0"/>
+              <a:t> Class. It should return if the user is in the database, and if the user is an admin</a:t>
+            </a:r>
+          </a:p>
+          <a:p>
+            <a:pPr marL="1200150" lvl="2" indent="-285750">
+              <a:buFontTx/>
+              <a:buChar char="-"/>
+            </a:pPr>
+            <a:r>
+              <a:rPr lang="en-CA" dirty="0"/>
+              <a:t>If user not in database, repeat question or ask if they want to register</a:t>
+            </a:r>
+          </a:p>
+          <a:p>
+            <a:pPr marL="1200150" lvl="2" indent="-285750">
+              <a:buFontTx/>
+              <a:buChar char="-"/>
+            </a:pPr>
+            <a:r>
+              <a:rPr lang="en-CA" dirty="0"/>
+              <a:t>If admin, call </a:t>
+            </a:r>
+            <a:r>
+              <a:rPr lang="en-CA" b="1" dirty="0" err="1"/>
+              <a:t>AdminMenu</a:t>
+            </a:r>
+            <a:r>
+              <a:rPr lang="en-CA" dirty="0"/>
+              <a:t> Class</a:t>
+            </a:r>
+          </a:p>
+          <a:p>
+            <a:pPr marL="1200150" lvl="2" indent="-285750">
+              <a:buFontTx/>
+              <a:buChar char="-"/>
+            </a:pPr>
+            <a:r>
+              <a:rPr lang="en-CA" dirty="0"/>
+              <a:t>If customer, call </a:t>
+            </a:r>
+            <a:r>
+              <a:rPr lang="en-CA" b="1" dirty="0" err="1"/>
+              <a:t>MainMenu</a:t>
+            </a:r>
+            <a:r>
+              <a:rPr lang="en-CA" dirty="0"/>
+              <a:t> Class</a:t>
+            </a:r>
+            <a:endParaRPr dirty="0"/>
+          </a:p>
+          <a:p>
+            <a:pPr marL="0" lvl="0" indent="0" algn="l" rtl="0">
+              <a:spcBef>
                 <a:spcPts val="1200"/>
               </a:spcBef>
               <a:spcAft>
@@ -10238,351 +11128,19 @@
               </a:spcAft>
               <a:buNone/>
             </a:pPr>
-            <a:r>
-              <a:rPr lang="en" sz="4400">
-                <a:solidFill>
-                  <a:schemeClr val="dk1"/>
-                </a:solidFill>
-              </a:rPr>
-              <a:t>DETERMINES IF USER EXISTS+IS AN ADMIN</a:t>
-            </a:r>
-            <a:endParaRPr sz="4400">
-              <a:solidFill>
-                <a:schemeClr val="dk1"/>
-              </a:solidFill>
-            </a:endParaRPr>
-          </a:p>
-          <a:p>
-            <a:pPr marL="457200" lvl="0" indent="-298450" algn="l" rtl="0">
+            <a:endParaRPr dirty="0"/>
+          </a:p>
+          <a:p>
+            <a:pPr marL="0" lvl="0" indent="0" algn="l" rtl="0">
               <a:spcBef>
                 <a:spcPts val="1200"/>
               </a:spcBef>
               <a:spcAft>
-                <a:spcPts val="0"/>
-              </a:spcAft>
-              <a:buClr>
-                <a:schemeClr val="dk1"/>
-              </a:buClr>
-              <a:buSzPct val="100000"/>
-              <a:buChar char="●"/>
-            </a:pPr>
-            <a:r>
-              <a:rPr lang="en" sz="4400">
-                <a:solidFill>
-                  <a:schemeClr val="dk1"/>
-                </a:solidFill>
-              </a:rPr>
-              <a:t>Calls use case class  login class→ get TUPLE[Boolean, boolean]</a:t>
-            </a:r>
-            <a:endParaRPr sz="4400">
-              <a:solidFill>
-                <a:schemeClr val="dk1"/>
-              </a:solidFill>
-            </a:endParaRPr>
-          </a:p>
-          <a:p>
-            <a:pPr marL="457200" lvl="0" indent="-298450" algn="l" rtl="0">
-              <a:spcBef>
-                <a:spcPts val="0"/>
-              </a:spcBef>
-              <a:spcAft>
-                <a:spcPts val="0"/>
-              </a:spcAft>
-              <a:buClr>
-                <a:schemeClr val="dk1"/>
-              </a:buClr>
-              <a:buSzPct val="100000"/>
-              <a:buChar char="●"/>
-            </a:pPr>
-            <a:r>
-              <a:rPr lang="en" sz="4400">
-                <a:solidFill>
-                  <a:schemeClr val="dk1"/>
-                </a:solidFill>
-              </a:rPr>
-              <a:t>Determines appropriate menu is display depending on the login class</a:t>
-            </a:r>
-            <a:endParaRPr sz="4400">
-              <a:solidFill>
-                <a:schemeClr val="dk1"/>
-              </a:solidFill>
-            </a:endParaRPr>
-          </a:p>
-          <a:p>
-            <a:pPr marL="914400" lvl="1" indent="-298450" algn="l" rtl="0">
-              <a:spcBef>
-                <a:spcPts val="0"/>
-              </a:spcBef>
-              <a:spcAft>
-                <a:spcPts val="0"/>
-              </a:spcAft>
-              <a:buClr>
-                <a:schemeClr val="dk1"/>
-              </a:buClr>
-              <a:buSzPct val="100000"/>
-              <a:buChar char="○"/>
-            </a:pPr>
-            <a:r>
-              <a:rPr lang="en" sz="4400">
-                <a:solidFill>
-                  <a:schemeClr val="dk1"/>
-                </a:solidFill>
-              </a:rPr>
-              <a:t>First boolean is false(User does not exist):</a:t>
-            </a:r>
-            <a:endParaRPr sz="4400">
-              <a:solidFill>
-                <a:schemeClr val="dk1"/>
-              </a:solidFill>
-            </a:endParaRPr>
-          </a:p>
-          <a:p>
-            <a:pPr marL="1371600" lvl="2" indent="-298450" algn="l" rtl="0">
-              <a:spcBef>
-                <a:spcPts val="0"/>
-              </a:spcBef>
-              <a:spcAft>
-                <a:spcPts val="0"/>
-              </a:spcAft>
-              <a:buClr>
-                <a:schemeClr val="dk1"/>
-              </a:buClr>
-              <a:buSzPct val="100000"/>
-              <a:buChar char="■"/>
-            </a:pPr>
-            <a:r>
-              <a:rPr lang="en" sz="4400">
-                <a:solidFill>
-                  <a:schemeClr val="dk1"/>
-                </a:solidFill>
-              </a:rPr>
-              <a:t>Prints “please try a valid user+pass”</a:t>
-            </a:r>
-            <a:endParaRPr sz="4400">
-              <a:solidFill>
-                <a:schemeClr val="dk1"/>
-              </a:solidFill>
-            </a:endParaRPr>
-          </a:p>
-          <a:p>
-            <a:pPr marL="1371600" lvl="2" indent="-298450" algn="l" rtl="0">
-              <a:spcBef>
-                <a:spcPts val="0"/>
-              </a:spcBef>
-              <a:spcAft>
-                <a:spcPts val="0"/>
-              </a:spcAft>
-              <a:buClr>
-                <a:schemeClr val="dk1"/>
-              </a:buClr>
-              <a:buSzPct val="100000"/>
-              <a:buChar char="■"/>
-            </a:pPr>
-            <a:r>
-              <a:rPr lang="en" sz="4400">
-                <a:solidFill>
-                  <a:schemeClr val="dk1"/>
-                </a:solidFill>
-              </a:rPr>
-              <a:t>Call LoginMenuClass again</a:t>
-            </a:r>
-            <a:endParaRPr sz="4400">
-              <a:solidFill>
-                <a:schemeClr val="dk1"/>
-              </a:solidFill>
-            </a:endParaRPr>
-          </a:p>
-          <a:p>
-            <a:pPr marL="914400" lvl="1" indent="-298450" algn="l" rtl="0">
-              <a:spcBef>
-                <a:spcPts val="0"/>
-              </a:spcBef>
-              <a:spcAft>
-                <a:spcPts val="0"/>
-              </a:spcAft>
-              <a:buClr>
-                <a:schemeClr val="dk1"/>
-              </a:buClr>
-              <a:buSzPct val="100000"/>
-              <a:buChar char="○"/>
-            </a:pPr>
-            <a:r>
-              <a:rPr lang="en" sz="4400">
-                <a:solidFill>
-                  <a:schemeClr val="dk1"/>
-                </a:solidFill>
-              </a:rPr>
-              <a:t>First boolean is True(Is User)</a:t>
-            </a:r>
-            <a:endParaRPr sz="4400">
-              <a:solidFill>
-                <a:schemeClr val="dk1"/>
-              </a:solidFill>
-            </a:endParaRPr>
-          </a:p>
-          <a:p>
-            <a:pPr marL="1371600" lvl="2" indent="-298450" algn="l" rtl="0">
-              <a:spcBef>
-                <a:spcPts val="0"/>
-              </a:spcBef>
-              <a:spcAft>
-                <a:spcPts val="0"/>
-              </a:spcAft>
-              <a:buClr>
-                <a:schemeClr val="dk1"/>
-              </a:buClr>
-              <a:buSzPct val="100000"/>
-              <a:buChar char="■"/>
-            </a:pPr>
-            <a:r>
-              <a:rPr lang="en" sz="4400">
-                <a:solidFill>
-                  <a:schemeClr val="dk1"/>
-                </a:solidFill>
-              </a:rPr>
-              <a:t>Second boolean is false(not admin)</a:t>
-            </a:r>
-            <a:endParaRPr sz="4400">
-              <a:solidFill>
-                <a:schemeClr val="dk1"/>
-              </a:solidFill>
-            </a:endParaRPr>
-          </a:p>
-          <a:p>
-            <a:pPr marL="1828800" lvl="3" indent="-298450" algn="l" rtl="0">
-              <a:spcBef>
-                <a:spcPts val="0"/>
-              </a:spcBef>
-              <a:spcAft>
-                <a:spcPts val="0"/>
-              </a:spcAft>
-              <a:buClr>
-                <a:schemeClr val="dk1"/>
-              </a:buClr>
-              <a:buSzPct val="100000"/>
-              <a:buChar char="●"/>
-            </a:pPr>
-            <a:r>
-              <a:rPr lang="en" sz="4400">
-                <a:solidFill>
-                  <a:schemeClr val="dk1"/>
-                </a:solidFill>
-              </a:rPr>
-              <a:t>Call MainUserMenuClass</a:t>
-            </a:r>
-            <a:endParaRPr sz="4400">
-              <a:solidFill>
-                <a:schemeClr val="dk1"/>
-              </a:solidFill>
-            </a:endParaRPr>
-          </a:p>
-          <a:p>
-            <a:pPr marL="0" lvl="0" indent="0" algn="l" rtl="0">
-              <a:spcBef>
-                <a:spcPts val="0"/>
-              </a:spcBef>
-              <a:spcAft>
-                <a:spcPts val="0"/>
-              </a:spcAft>
-              <a:buNone/>
-            </a:pPr>
-            <a:endParaRPr sz="4400">
-              <a:solidFill>
-                <a:schemeClr val="dk1"/>
-              </a:solidFill>
-            </a:endParaRPr>
-          </a:p>
-          <a:p>
-            <a:pPr marL="1371600" lvl="2" indent="-298450" algn="l" rtl="0">
-              <a:spcBef>
-                <a:spcPts val="0"/>
-              </a:spcBef>
-              <a:spcAft>
-                <a:spcPts val="0"/>
-              </a:spcAft>
-              <a:buClr>
-                <a:schemeClr val="dk1"/>
-              </a:buClr>
-              <a:buSzPct val="100000"/>
-              <a:buChar char="■"/>
-            </a:pPr>
-            <a:r>
-              <a:rPr lang="en" sz="4400">
-                <a:solidFill>
-                  <a:schemeClr val="dk1"/>
-                </a:solidFill>
-              </a:rPr>
-              <a:t>Second boolean is True(is admin)</a:t>
-            </a:r>
-            <a:endParaRPr sz="4400">
-              <a:solidFill>
-                <a:schemeClr val="dk1"/>
-              </a:solidFill>
-            </a:endParaRPr>
-          </a:p>
-          <a:p>
-            <a:pPr marL="1828800" lvl="3" indent="-298450" algn="l" rtl="0">
-              <a:spcBef>
-                <a:spcPts val="0"/>
-              </a:spcBef>
-              <a:spcAft>
-                <a:spcPts val="0"/>
-              </a:spcAft>
-              <a:buClr>
-                <a:schemeClr val="dk1"/>
-              </a:buClr>
-              <a:buSzPct val="100000"/>
-              <a:buChar char="●"/>
-            </a:pPr>
-            <a:r>
-              <a:rPr lang="en" sz="4400">
-                <a:solidFill>
-                  <a:schemeClr val="dk1"/>
-                </a:solidFill>
-              </a:rPr>
-              <a:t>Call AdminMenuClass</a:t>
-            </a:r>
-            <a:endParaRPr sz="4400">
-              <a:solidFill>
-                <a:schemeClr val="dk1"/>
-              </a:solidFill>
-            </a:endParaRPr>
-          </a:p>
-          <a:p>
-            <a:pPr marL="0" lvl="0" indent="0" algn="l" rtl="0">
-              <a:spcBef>
-                <a:spcPts val="0"/>
-              </a:spcBef>
-              <a:spcAft>
-                <a:spcPts val="0"/>
-              </a:spcAft>
-              <a:buNone/>
-            </a:pPr>
-            <a:endParaRPr/>
-          </a:p>
-          <a:p>
-            <a:pPr marL="0" lvl="0" indent="0" algn="l" rtl="0">
-              <a:spcBef>
                 <a:spcPts val="1200"/>
-              </a:spcBef>
-              <a:spcAft>
-                <a:spcPts val="0"/>
-              </a:spcAft>
-              <a:buNone/>
-            </a:pPr>
-            <a:endParaRPr/>
-          </a:p>
-          <a:p>
-            <a:pPr marL="0" lvl="0" indent="0" algn="l" rtl="0">
-              <a:spcBef>
-                <a:spcPts val="1200"/>
-              </a:spcBef>
-              <a:spcAft>
-                <a:spcPts val="1200"/>
-              </a:spcAft>
-              <a:buNone/>
-            </a:pPr>
-            <a:endParaRPr/>
+              </a:spcAft>
+              <a:buNone/>
+            </a:pPr>
+            <a:endParaRPr dirty="0"/>
           </a:p>
         </p:txBody>
       </p:sp>
@@ -10626,10 +11184,10 @@
               <a:buNone/>
             </a:pPr>
             <a:r>
-              <a:rPr lang="en" sz="1000"/>
-              <a:t>RegistrationMenu class</a:t>
-            </a:r>
-            <a:endParaRPr sz="1000"/>
+              <a:rPr lang="en" sz="1000" dirty="0"/>
+              <a:t>RegisterMenu class</a:t>
+            </a:r>
+            <a:endParaRPr sz="1000" dirty="0"/>
           </a:p>
           <a:p>
             <a:pPr marL="0" lvl="0" indent="0" algn="l" rtl="0">
@@ -10647,10 +11205,10 @@
               <a:buNone/>
             </a:pPr>
             <a:r>
-              <a:rPr lang="en" sz="1000"/>
-              <a:t>Login Class</a:t>
-            </a:r>
-            <a:endParaRPr sz="1000"/>
+              <a:rPr lang="en" sz="1000" dirty="0"/>
+              <a:t>LoginUseCase Class</a:t>
+            </a:r>
+            <a:endParaRPr sz="1000" dirty="0"/>
           </a:p>
           <a:p>
             <a:pPr marL="0" lvl="0" indent="0" algn="l" rtl="0">
@@ -10668,10 +11226,10 @@
               <a:buNone/>
             </a:pPr>
             <a:r>
-              <a:rPr lang="en" sz="1000"/>
-              <a:t>MainUserMenuClass</a:t>
-            </a:r>
-            <a:endParaRPr sz="1000"/>
+              <a:rPr lang="en" sz="1000" dirty="0"/>
+              <a:t>MainMenuClass</a:t>
+            </a:r>
+            <a:endParaRPr sz="1000" dirty="0"/>
           </a:p>
           <a:p>
             <a:pPr marL="0" lvl="0" indent="0" algn="l" rtl="0">
@@ -10689,10 +11247,10 @@
               <a:buNone/>
             </a:pPr>
             <a:r>
-              <a:rPr lang="en" sz="1000"/>
+              <a:rPr lang="en" sz="1000" dirty="0"/>
               <a:t>AdminMenuClass</a:t>
             </a:r>
-            <a:endParaRPr sz="1000"/>
+            <a:endParaRPr sz="1000" dirty="0"/>
           </a:p>
           <a:p>
             <a:pPr marL="0" lvl="0" indent="0" algn="l" rtl="0">
@@ -10704,7 +11262,7 @@
               </a:spcAft>
               <a:buNone/>
             </a:pPr>
-            <a:endParaRPr/>
+            <a:endParaRPr dirty="0"/>
           </a:p>
         </p:txBody>
       </p:sp>
@@ -10840,14 +11398,14 @@
               <a:buNone/>
             </a:pPr>
             <a:r>
-              <a:rPr lang="en" sz="700">
+              <a:rPr lang="en" sz="700" dirty="0">
                 <a:solidFill>
                   <a:schemeClr val="dk1"/>
                 </a:solidFill>
               </a:rPr>
-              <a:t>(UI + Presenter + Controller)</a:t>
-            </a:r>
-            <a:endParaRPr sz="400"/>
+              <a:t>(UI + Presenter)</a:t>
+            </a:r>
+            <a:endParaRPr sz="400" dirty="0"/>
           </a:p>
         </p:txBody>
       </p:sp>
@@ -10911,10 +11469,10 @@
               <a:buNone/>
             </a:pPr>
             <a:r>
-              <a:rPr lang="en" b="1"/>
-              <a:t>RegistrationMenuClass → BILLY</a:t>
-            </a:r>
-            <a:endParaRPr b="1"/>
+              <a:rPr lang="en" b="1" dirty="0"/>
+              <a:t>RegisterMenu Class</a:t>
+            </a:r>
+            <a:endParaRPr b="1" dirty="0"/>
           </a:p>
         </p:txBody>
       </p:sp>
@@ -10939,7 +11497,7 @@
         </p:spPr>
         <p:txBody>
           <a:bodyPr spcFirstLastPara="1" wrap="square" lIns="91425" tIns="91425" rIns="91425" bIns="91425" anchor="t" anchorCtr="0">
-            <a:normAutofit fontScale="92500" lnSpcReduction="20000"/>
+            <a:normAutofit/>
           </a:bodyPr>
           <a:lstStyle/>
           <a:p>
@@ -10953,10 +11511,10 @@
               <a:buNone/>
             </a:pPr>
             <a:r>
-              <a:rPr lang="en"/>
+              <a:rPr lang="en" dirty="0"/>
               <a:t>Called from LoginMenuClass if a user wants to register a new account.</a:t>
             </a:r>
-            <a:endParaRPr/>
+            <a:endParaRPr dirty="0"/>
           </a:p>
           <a:p>
             <a:pPr marL="0" lvl="0" indent="0" algn="l" rtl="0">
@@ -10969,112 +11527,36 @@
               <a:buNone/>
             </a:pPr>
             <a:r>
-              <a:rPr lang="en"/>
-              <a:t>Client enters credentials/background info (scanner)</a:t>
-            </a:r>
-            <a:endParaRPr/>
-          </a:p>
-          <a:p>
-            <a:pPr marL="457200" lvl="0" indent="-310832" algn="l" rtl="0">
+              <a:rPr lang="en" dirty="0"/>
+              <a:t>Client enters credentials/background info:</a:t>
+            </a:r>
+          </a:p>
+          <a:p>
+            <a:pPr marL="0" lvl="0" indent="0" algn="l" rtl="0">
               <a:spcBef>
                 <a:spcPts val="1200"/>
               </a:spcBef>
               <a:spcAft>
                 <a:spcPts val="0"/>
               </a:spcAft>
+              <a:buNone/>
+            </a:pPr>
+            <a:r>
+              <a:rPr lang="en" dirty="0"/>
+              <a:t>- New Username, Password, DOB, Email</a:t>
+            </a:r>
+            <a:endParaRPr dirty="0"/>
+          </a:p>
+          <a:p>
+            <a:pPr indent="-299085">
               <a:buSzPct val="100000"/>
               <a:buChar char="-"/>
             </a:pPr>
             <a:r>
-              <a:rPr lang="en"/>
-              <a:t>New Username, Password, DOB, password recovery questions+answers</a:t>
-            </a:r>
-            <a:endParaRPr/>
-          </a:p>
-          <a:p>
-            <a:pPr marL="914400" lvl="1" indent="-299085" algn="l" rtl="0">
-              <a:spcBef>
-                <a:spcPts val="0"/>
-              </a:spcBef>
-              <a:spcAft>
-                <a:spcPts val="0"/>
-              </a:spcAft>
-              <a:buSzPct val="100000"/>
-              <a:buChar char="-"/>
-            </a:pPr>
-            <a:r>
-              <a:rPr lang="en"/>
+              <a:rPr lang="en" dirty="0"/>
               <a:t>Name/Password checker to avoid repeated username/psw</a:t>
             </a:r>
-            <a:endParaRPr/>
-          </a:p>
-          <a:p>
-            <a:pPr marL="457200" lvl="0" indent="-310832" algn="l" rtl="0">
-              <a:spcBef>
-                <a:spcPts val="0"/>
-              </a:spcBef>
-              <a:spcAft>
-                <a:spcPts val="0"/>
-              </a:spcAft>
-              <a:buSzPct val="100000"/>
-              <a:buChar char="-"/>
-            </a:pPr>
-            <a:r>
-              <a:rPr lang="en"/>
-              <a:t>(optional) save payment method</a:t>
-            </a:r>
-            <a:endParaRPr/>
-          </a:p>
-          <a:p>
-            <a:pPr marL="457200" lvl="0" indent="-310832" algn="l" rtl="0">
-              <a:spcBef>
-                <a:spcPts val="0"/>
-              </a:spcBef>
-              <a:spcAft>
-                <a:spcPts val="0"/>
-              </a:spcAft>
-              <a:buSzPct val="100000"/>
-              <a:buChar char="-"/>
-            </a:pPr>
-            <a:r>
-              <a:rPr lang="en"/>
-              <a:t>(optional) generate new User as a member</a:t>
-            </a:r>
-            <a:endParaRPr/>
-          </a:p>
-          <a:p>
-            <a:pPr marL="457200" lvl="0" indent="-310832" algn="l" rtl="0">
-              <a:spcBef>
-                <a:spcPts val="0"/>
-              </a:spcBef>
-              <a:spcAft>
-                <a:spcPts val="0"/>
-              </a:spcAft>
-              <a:buSzPct val="100000"/>
-              <a:buChar char="-"/>
-            </a:pPr>
-            <a:r>
-              <a:rPr lang="en"/>
-              <a:t>Home address(s)</a:t>
-            </a:r>
-            <a:endParaRPr/>
-          </a:p>
-          <a:p>
-            <a:pPr marL="457200" lvl="0" indent="-310832" algn="l" rtl="0">
-              <a:spcBef>
-                <a:spcPts val="0"/>
-              </a:spcBef>
-              <a:spcAft>
-                <a:spcPts val="0"/>
-              </a:spcAft>
-              <a:buSzPct val="100000"/>
-              <a:buChar char="-"/>
-            </a:pPr>
-            <a:r>
-              <a:rPr lang="en"/>
-              <a:t>Email address, used for password recovery if the user FORGETS USERNAME.</a:t>
-            </a:r>
-            <a:endParaRPr/>
+            <a:endParaRPr dirty="0"/>
           </a:p>
           <a:p>
             <a:pPr marL="0" lvl="0" indent="0" algn="l" rtl="0">
@@ -11087,10 +11569,10 @@
               <a:buNone/>
             </a:pPr>
             <a:r>
-              <a:rPr lang="en"/>
-              <a:t>After doing so, send these credentials to the RegisterUseCaseClass. (Call)</a:t>
-            </a:r>
-            <a:endParaRPr/>
+              <a:rPr lang="en" dirty="0"/>
+              <a:t>Send these credentials to the RegisterUseCase. (Call)</a:t>
+            </a:r>
+            <a:endParaRPr dirty="0"/>
           </a:p>
         </p:txBody>
       </p:sp>
@@ -11134,10 +11616,10 @@
               <a:buNone/>
             </a:pPr>
             <a:r>
-              <a:rPr lang="en" sz="1000"/>
+              <a:rPr lang="en" sz="1000" dirty="0"/>
               <a:t>RegisterUseCaseClass</a:t>
             </a:r>
-            <a:endParaRPr sz="1000"/>
+            <a:endParaRPr sz="1000" dirty="0"/>
           </a:p>
           <a:p>
             <a:pPr marL="0" lvl="0" indent="0" algn="l" rtl="0">
@@ -11154,7 +11636,7 @@
               <a:buFont typeface="Arial"/>
               <a:buNone/>
             </a:pPr>
-            <a:endParaRPr sz="1000"/>
+            <a:endParaRPr sz="1000" dirty="0"/>
           </a:p>
           <a:p>
             <a:pPr marL="0" lvl="0" indent="0" algn="l" rtl="0">
@@ -11166,7 +11648,7 @@
               </a:spcAft>
               <a:buNone/>
             </a:pPr>
-            <a:endParaRPr/>
+            <a:endParaRPr dirty="0"/>
           </a:p>
         </p:txBody>
       </p:sp>
@@ -11302,14 +11784,14 @@
               <a:buNone/>
             </a:pPr>
             <a:r>
-              <a:rPr lang="en" sz="700">
+              <a:rPr lang="en" sz="700" dirty="0">
                 <a:solidFill>
                   <a:schemeClr val="dk1"/>
                 </a:solidFill>
               </a:rPr>
-              <a:t>(UI + Presenter + Controller)</a:t>
-            </a:r>
-            <a:endParaRPr sz="400">
+              <a:t>(UI + Presenter)</a:t>
+            </a:r>
+            <a:endParaRPr sz="400" dirty="0">
               <a:solidFill>
                 <a:schemeClr val="dk1"/>
               </a:solidFill>
@@ -11325,7 +11807,7 @@
               </a:spcAft>
               <a:buNone/>
             </a:pPr>
-            <a:endParaRPr sz="700">
+            <a:endParaRPr sz="700" dirty="0">
               <a:solidFill>
                 <a:schemeClr val="dk1"/>
               </a:solidFill>
@@ -11393,10 +11875,10 @@
               <a:buNone/>
             </a:pPr>
             <a:r>
-              <a:rPr lang="en" b="1"/>
-              <a:t>AdminMenuClass → Taymoor</a:t>
-            </a:r>
-            <a:endParaRPr b="1"/>
+              <a:rPr lang="en" b="1" dirty="0"/>
+              <a:t>AdminMenu Class</a:t>
+            </a:r>
+            <a:endParaRPr b="1" dirty="0"/>
           </a:p>
         </p:txBody>
       </p:sp>
@@ -11421,24 +11903,24 @@
         </p:spPr>
         <p:txBody>
           <a:bodyPr spcFirstLastPara="1" wrap="square" lIns="91425" tIns="91425" rIns="91425" bIns="91425" anchor="t" anchorCtr="0">
-            <a:normAutofit/>
+            <a:normAutofit lnSpcReduction="10000"/>
           </a:bodyPr>
           <a:lstStyle/>
           <a:p>
-            <a:pPr marL="0" lvl="0" indent="0" algn="l" rtl="0">
-              <a:spcBef>
-                <a:spcPts val="0"/>
-              </a:spcBef>
-              <a:spcAft>
-                <a:spcPts val="0"/>
-              </a:spcAft>
-              <a:buNone/>
-            </a:pPr>
-            <a:r>
-              <a:rPr lang="en"/>
-              <a:t>*Enter admin credentials (username, password)</a:t>
-            </a:r>
-            <a:endParaRPr/>
+            <a:pPr marL="139700" lvl="0" indent="0" algn="l" rtl="0">
+              <a:spcBef>
+                <a:spcPts val="1200"/>
+              </a:spcBef>
+              <a:spcAft>
+                <a:spcPts val="0"/>
+              </a:spcAft>
+              <a:buSzPts val="1400"/>
+              <a:buNone/>
+            </a:pPr>
+            <a:r>
+              <a:rPr lang="en" dirty="0"/>
+              <a:t>Should have two “prompt” methods:</a:t>
+            </a:r>
           </a:p>
           <a:p>
             <a:pPr marL="457200" lvl="0" indent="-317500" algn="l" rtl="0">
@@ -11452,10 +11934,10 @@
               <a:buChar char="-"/>
             </a:pPr>
             <a:r>
-              <a:rPr lang="en"/>
-              <a:t>Add admin(s)</a:t>
-            </a:r>
-            <a:endParaRPr/>
+              <a:rPr lang="en" dirty="0"/>
+              <a:t>Add admin prompt</a:t>
+            </a:r>
+            <a:endParaRPr dirty="0"/>
           </a:p>
           <a:p>
             <a:pPr marL="914400" lvl="1" indent="-304800" algn="l" rtl="0">
@@ -11469,10 +11951,34 @@
               <a:buChar char="-"/>
             </a:pPr>
             <a:r>
-              <a:rPr lang="en"/>
-              <a:t>(call AddAdminClass)</a:t>
-            </a:r>
-            <a:endParaRPr/>
+              <a:rPr lang="en-CA" dirty="0"/>
+              <a:t>Ask user information of the to-be-added admin</a:t>
+            </a:r>
+          </a:p>
+          <a:p>
+            <a:pPr marL="914400" lvl="1" indent="-304800" algn="l" rtl="0">
+              <a:spcBef>
+                <a:spcPts val="0"/>
+              </a:spcBef>
+              <a:spcAft>
+                <a:spcPts val="0"/>
+              </a:spcAft>
+              <a:buSzPts val="1200"/>
+              <a:buChar char="-"/>
+            </a:pPr>
+            <a:r>
+              <a:rPr lang="en-CA" dirty="0"/>
+              <a:t>Pass information to </a:t>
+            </a:r>
+            <a:r>
+              <a:rPr lang="en-CA" dirty="0" err="1"/>
+              <a:t>AddAdmin</a:t>
+            </a:r>
+            <a:r>
+              <a:rPr lang="en-CA" dirty="0"/>
+              <a:t> Class</a:t>
+            </a:r>
+            <a:endParaRPr dirty="0"/>
           </a:p>
           <a:p>
             <a:pPr marL="457200" lvl="0" indent="-317500" algn="l" rtl="0">
@@ -11486,10 +11992,10 @@
               <a:buChar char="-"/>
             </a:pPr>
             <a:r>
-              <a:rPr lang="en"/>
+              <a:rPr lang="en" dirty="0"/>
               <a:t>Delete users</a:t>
             </a:r>
-            <a:endParaRPr/>
+            <a:endParaRPr dirty="0"/>
           </a:p>
           <a:p>
             <a:pPr marL="914400" lvl="1" indent="-304800" algn="l" rtl="0">
@@ -11503,102 +12009,51 @@
               <a:buChar char="-"/>
             </a:pPr>
             <a:r>
-              <a:rPr lang="en"/>
-              <a:t>(call DeleteUserClass)</a:t>
-            </a:r>
-            <a:endParaRPr/>
-          </a:p>
-          <a:p>
-            <a:pPr marL="0" lvl="0" indent="0" algn="l" rtl="0">
-              <a:spcBef>
-                <a:spcPts val="1200"/>
-              </a:spcBef>
-              <a:spcAft>
-                <a:spcPts val="0"/>
-              </a:spcAft>
-              <a:buNone/>
-            </a:pPr>
-            <a:endParaRPr/>
-          </a:p>
-          <a:p>
-            <a:pPr marL="457200" lvl="0" indent="-317500" algn="l" rtl="0">
-              <a:spcBef>
-                <a:spcPts val="1200"/>
-              </a:spcBef>
-              <a:spcAft>
-                <a:spcPts val="0"/>
-              </a:spcAft>
-              <a:buSzPts val="1400"/>
+              <a:rPr lang="en" dirty="0"/>
+              <a:t>Ask user information of the to-be-deleted user</a:t>
+            </a:r>
+          </a:p>
+          <a:p>
+            <a:pPr marL="914400" lvl="1" indent="-304800" algn="l" rtl="0">
+              <a:spcBef>
+                <a:spcPts val="0"/>
+              </a:spcBef>
+              <a:spcAft>
+                <a:spcPts val="0"/>
+              </a:spcAft>
+              <a:buSzPts val="1200"/>
               <a:buChar char="-"/>
             </a:pPr>
             <a:r>
-              <a:rPr lang="en"/>
-              <a:t>Add flight</a:t>
-            </a:r>
-            <a:endParaRPr/>
-          </a:p>
-          <a:p>
-            <a:pPr marL="457200" lvl="0" indent="-317500" algn="l" rtl="0">
-              <a:spcBef>
-                <a:spcPts val="0"/>
-              </a:spcBef>
-              <a:spcAft>
-                <a:spcPts val="0"/>
-              </a:spcAft>
-              <a:buSzPts val="1400"/>
-              <a:buChar char="-"/>
-            </a:pPr>
-            <a:r>
-              <a:rPr lang="en"/>
-              <a:t>Cancel flight</a:t>
-            </a:r>
-            <a:endParaRPr/>
-          </a:p>
-          <a:p>
-            <a:pPr marL="457200" lvl="0" indent="-317500" algn="l" rtl="0">
-              <a:spcBef>
-                <a:spcPts val="0"/>
-              </a:spcBef>
-              <a:spcAft>
-                <a:spcPts val="0"/>
-              </a:spcAft>
-              <a:buSzPts val="1400"/>
-              <a:buChar char="-"/>
-            </a:pPr>
-            <a:r>
-              <a:rPr lang="en"/>
-              <a:t>Access and Modify flight information</a:t>
-            </a:r>
-            <a:endParaRPr/>
-          </a:p>
-          <a:p>
-            <a:pPr marL="457200" lvl="0" indent="-317500" algn="l" rtl="0">
-              <a:spcBef>
-                <a:spcPts val="0"/>
-              </a:spcBef>
-              <a:spcAft>
-                <a:spcPts val="0"/>
-              </a:spcAft>
-              <a:buSzPts val="1400"/>
-              <a:buChar char="-"/>
-            </a:pPr>
-            <a:r>
-              <a:rPr lang="en"/>
-              <a:t>See all Users in a flight</a:t>
-            </a:r>
-            <a:endParaRPr/>
-          </a:p>
-          <a:p>
-            <a:pPr marL="0" lvl="0" indent="0" algn="l" rtl="0">
-              <a:spcBef>
-                <a:spcPts val="1200"/>
-              </a:spcBef>
-              <a:spcAft>
-                <a:spcPts val="1200"/>
-              </a:spcAft>
-              <a:buNone/>
-            </a:pPr>
-            <a:endParaRPr/>
+              <a:rPr lang="en" dirty="0"/>
+              <a:t>Pass information to DeleteUser Class</a:t>
+            </a:r>
+          </a:p>
+          <a:p>
+            <a:pPr marL="152400" indent="0">
+              <a:buSzPts val="1200"/>
+              <a:buNone/>
+            </a:pPr>
+            <a:endParaRPr lang="en" dirty="0"/>
+          </a:p>
+          <a:p>
+            <a:pPr marL="152400" indent="0">
+              <a:buSzPts val="1200"/>
+              <a:buNone/>
+            </a:pPr>
+            <a:r>
+              <a:rPr lang="en" dirty="0"/>
+              <a:t>First Ask the Admin what they wa</a:t>
+            </a:r>
+            <a:r>
+              <a:rPr lang="en-CA" dirty="0" err="1"/>
+              <a:t>nt</a:t>
+            </a:r>
+            <a:r>
+              <a:rPr lang="en-CA" dirty="0"/>
+              <a:t> to do, check for invalid inputs by the user (non-existing user to be deleted)</a:t>
+            </a:r>
+            <a:endParaRPr lang="en" dirty="0"/>
           </a:p>
         </p:txBody>
       </p:sp>
@@ -11637,10 +12092,10 @@
               <a:buNone/>
             </a:pPr>
             <a:r>
-              <a:rPr lang="en" sz="1000"/>
+              <a:rPr lang="en" sz="1000" dirty="0"/>
               <a:t>AddAdminClass</a:t>
             </a:r>
-            <a:endParaRPr sz="1000"/>
+            <a:endParaRPr sz="1000" dirty="0"/>
           </a:p>
           <a:p>
             <a:pPr marL="0" lvl="0" indent="0" algn="l" rtl="0">
@@ -11653,26 +12108,10 @@
               <a:buNone/>
             </a:pPr>
             <a:r>
-              <a:rPr lang="en" sz="1000"/>
+              <a:rPr lang="en" sz="1000" dirty="0"/>
               <a:t>DeleteUserClass</a:t>
             </a:r>
-            <a:endParaRPr sz="1000"/>
-          </a:p>
-          <a:p>
-            <a:pPr marL="0" lvl="0" indent="0" algn="l" rtl="0">
-              <a:spcBef>
-                <a:spcPts val="1200"/>
-              </a:spcBef>
-              <a:spcAft>
-                <a:spcPts val="1200"/>
-              </a:spcAft>
-              <a:buNone/>
-            </a:pPr>
-            <a:r>
-              <a:rPr lang="en" sz="1000"/>
-              <a:t>UserTracker</a:t>
-            </a:r>
-            <a:endParaRPr sz="1000"/>
+            <a:endParaRPr sz="1000" dirty="0"/>
           </a:p>
         </p:txBody>
       </p:sp>
@@ -11808,14 +12247,14 @@
               <a:buNone/>
             </a:pPr>
             <a:r>
-              <a:rPr lang="en" sz="700">
+              <a:rPr lang="en" sz="700" dirty="0">
                 <a:solidFill>
                   <a:schemeClr val="dk1"/>
                 </a:solidFill>
               </a:rPr>
-              <a:t>(UI + Presenter + Controller)</a:t>
-            </a:r>
-            <a:endParaRPr sz="400">
+              <a:t>(UI + Presenter)</a:t>
+            </a:r>
+            <a:endParaRPr sz="400" dirty="0">
               <a:solidFill>
                 <a:schemeClr val="dk1"/>
               </a:solidFill>
@@ -11831,7 +12270,7 @@
               </a:spcAft>
               <a:buNone/>
             </a:pPr>
-            <a:endParaRPr sz="700">
+            <a:endParaRPr sz="700" dirty="0">
               <a:solidFill>
                 <a:schemeClr val="dk1"/>
               </a:solidFill>
@@ -11848,6 +12287,373 @@
 </file>
 
 <file path=ppt/slides/slide6.xml><?xml version="1.0" encoding="utf-8"?>
+<p:sld xmlns:a="http://schemas.openxmlformats.org/drawingml/2006/main" xmlns:r="http://schemas.openxmlformats.org/officeDocument/2006/relationships" xmlns:p="http://schemas.openxmlformats.org/presentationml/2006/main">
+  <p:cSld>
+    <p:spTree>
+      <p:nvGrpSpPr>
+        <p:cNvPr id="1" name="Shape 114"/>
+        <p:cNvGrpSpPr/>
+        <p:nvPr/>
+      </p:nvGrpSpPr>
+      <p:grpSpPr>
+        <a:xfrm>
+          <a:off x="0" y="0"/>
+          <a:ext cx="0" cy="0"/>
+          <a:chOff x="0" y="0"/>
+          <a:chExt cx="0" cy="0"/>
+        </a:xfrm>
+      </p:grpSpPr>
+      <p:sp>
+        <p:nvSpPr>
+          <p:cNvPr id="115" name="Google Shape;115;p19"/>
+          <p:cNvSpPr txBox="1">
+            <a:spLocks noGrp="1"/>
+          </p:cNvSpPr>
+          <p:nvPr>
+            <p:ph type="title"/>
+          </p:nvPr>
+        </p:nvSpPr>
+        <p:spPr>
+          <a:xfrm>
+            <a:off x="311700" y="445025"/>
+            <a:ext cx="8520600" cy="572700"/>
+          </a:xfrm>
+          <a:prstGeom prst="rect">
+            <a:avLst/>
+          </a:prstGeom>
+        </p:spPr>
+        <p:txBody>
+          <a:bodyPr spcFirstLastPara="1" wrap="square" lIns="91425" tIns="91425" rIns="91425" bIns="91425" anchor="t" anchorCtr="0">
+            <a:normAutofit fontScale="90000"/>
+          </a:bodyPr>
+          <a:lstStyle/>
+          <a:p>
+            <a:pPr marL="0" lvl="0" indent="0" algn="ctr" rtl="0">
+              <a:spcBef>
+                <a:spcPts val="0"/>
+              </a:spcBef>
+              <a:spcAft>
+                <a:spcPts val="0"/>
+              </a:spcAft>
+              <a:buNone/>
+            </a:pPr>
+            <a:r>
+              <a:rPr lang="en" b="1" dirty="0"/>
+              <a:t>MainMenu Class</a:t>
+            </a:r>
+            <a:endParaRPr b="1" dirty="0"/>
+          </a:p>
+        </p:txBody>
+      </p:sp>
+      <p:sp>
+        <p:nvSpPr>
+          <p:cNvPr id="116" name="Google Shape;116;p19"/>
+          <p:cNvSpPr txBox="1">
+            <a:spLocks noGrp="1"/>
+          </p:cNvSpPr>
+          <p:nvPr>
+            <p:ph type="body" idx="1"/>
+          </p:nvPr>
+        </p:nvSpPr>
+        <p:spPr>
+          <a:xfrm>
+            <a:off x="311700" y="1152475"/>
+            <a:ext cx="3999900" cy="3416400"/>
+          </a:xfrm>
+          <a:prstGeom prst="rect">
+            <a:avLst/>
+          </a:prstGeom>
+        </p:spPr>
+        <p:txBody>
+          <a:bodyPr spcFirstLastPara="1" wrap="square" lIns="91425" tIns="91425" rIns="91425" bIns="91425" anchor="t" anchorCtr="0">
+            <a:normAutofit/>
+          </a:bodyPr>
+          <a:lstStyle/>
+          <a:p>
+            <a:pPr marL="139700" lvl="0" indent="0" algn="l" rtl="0">
+              <a:spcBef>
+                <a:spcPts val="1200"/>
+              </a:spcBef>
+              <a:spcAft>
+                <a:spcPts val="0"/>
+              </a:spcAft>
+              <a:buSzPts val="1400"/>
+              <a:buNone/>
+            </a:pPr>
+            <a:r>
+              <a:rPr lang="en" dirty="0"/>
+              <a:t>Prompt the User that they are in the system</a:t>
+            </a:r>
+          </a:p>
+          <a:p>
+            <a:pPr marL="139700" lvl="0" indent="0" algn="l" rtl="0">
+              <a:spcBef>
+                <a:spcPts val="1200"/>
+              </a:spcBef>
+              <a:spcAft>
+                <a:spcPts val="0"/>
+              </a:spcAft>
+              <a:buSzPts val="1400"/>
+              <a:buNone/>
+            </a:pPr>
+            <a:r>
+              <a:rPr lang="en" dirty="0"/>
+              <a:t>Ask if they want to view their history</a:t>
+            </a:r>
+          </a:p>
+          <a:p>
+            <a:pPr marL="139700" lvl="0" indent="0" algn="l" rtl="0">
+              <a:spcBef>
+                <a:spcPts val="1200"/>
+              </a:spcBef>
+              <a:spcAft>
+                <a:spcPts val="0"/>
+              </a:spcAft>
+              <a:buSzPts val="1400"/>
+              <a:buNone/>
+            </a:pPr>
+            <a:r>
+              <a:rPr lang="en" dirty="0"/>
+              <a:t>Call the “Use Case getter method” in UserTracker to get the dates that the User has logged in before </a:t>
+            </a:r>
+          </a:p>
+          <a:p>
+            <a:pPr marL="139700" lvl="0" indent="0" algn="l" rtl="0">
+              <a:spcBef>
+                <a:spcPts val="1200"/>
+              </a:spcBef>
+              <a:spcAft>
+                <a:spcPts val="0"/>
+              </a:spcAft>
+              <a:buSzPts val="1400"/>
+              <a:buNone/>
+            </a:pPr>
+            <a:r>
+              <a:rPr lang="en" dirty="0"/>
+              <a:t>Temporarily stop here, will add more options and repeats later.</a:t>
+            </a:r>
+          </a:p>
+        </p:txBody>
+      </p:sp>
+      <p:sp>
+        <p:nvSpPr>
+          <p:cNvPr id="117" name="Google Shape;117;p19"/>
+          <p:cNvSpPr txBox="1">
+            <a:spLocks noGrp="1"/>
+          </p:cNvSpPr>
+          <p:nvPr>
+            <p:ph type="body" idx="2"/>
+          </p:nvPr>
+        </p:nvSpPr>
+        <p:spPr>
+          <a:xfrm>
+            <a:off x="4832400" y="1152475"/>
+            <a:ext cx="3999900" cy="3416400"/>
+          </a:xfrm>
+          <a:prstGeom prst="rect">
+            <a:avLst/>
+          </a:prstGeom>
+        </p:spPr>
+        <p:txBody>
+          <a:bodyPr spcFirstLastPara="1" wrap="square" lIns="91425" tIns="91425" rIns="91425" bIns="91425" anchor="t" anchorCtr="0">
+            <a:normAutofit/>
+          </a:bodyPr>
+          <a:lstStyle/>
+          <a:p>
+            <a:pPr marL="0" lvl="0" indent="0" algn="l" rtl="0">
+              <a:spcBef>
+                <a:spcPts val="0"/>
+              </a:spcBef>
+              <a:spcAft>
+                <a:spcPts val="0"/>
+              </a:spcAft>
+              <a:buNone/>
+            </a:pPr>
+            <a:r>
+              <a:rPr lang="en-US" sz="1000" dirty="0" err="1"/>
+              <a:t>UserTracker</a:t>
+            </a:r>
+            <a:endParaRPr sz="1000" dirty="0"/>
+          </a:p>
+        </p:txBody>
+      </p:sp>
+      <p:cxnSp>
+        <p:nvCxnSpPr>
+          <p:cNvPr id="118" name="Google Shape;118;p19"/>
+          <p:cNvCxnSpPr>
+            <a:stCxn id="115" idx="2"/>
+          </p:cNvCxnSpPr>
+          <p:nvPr/>
+        </p:nvCxnSpPr>
+        <p:spPr>
+          <a:xfrm>
+            <a:off x="4572000" y="1017725"/>
+            <a:ext cx="0" cy="3561300"/>
+          </a:xfrm>
+          <a:prstGeom prst="straightConnector1">
+            <a:avLst/>
+          </a:prstGeom>
+          <a:noFill/>
+          <a:ln w="9525" cap="flat" cmpd="sng">
+            <a:solidFill>
+              <a:schemeClr val="dk2"/>
+            </a:solidFill>
+            <a:prstDash val="solid"/>
+            <a:round/>
+            <a:headEnd type="none" w="med" len="med"/>
+            <a:tailEnd type="none" w="med" len="med"/>
+          </a:ln>
+        </p:spPr>
+      </p:cxnSp>
+      <p:cxnSp>
+        <p:nvCxnSpPr>
+          <p:cNvPr id="119" name="Google Shape;119;p19"/>
+          <p:cNvCxnSpPr/>
+          <p:nvPr/>
+        </p:nvCxnSpPr>
+        <p:spPr>
+          <a:xfrm>
+            <a:off x="311700" y="1013600"/>
+            <a:ext cx="8520600" cy="0"/>
+          </a:xfrm>
+          <a:prstGeom prst="straightConnector1">
+            <a:avLst/>
+          </a:prstGeom>
+          <a:noFill/>
+          <a:ln w="9525" cap="flat" cmpd="sng">
+            <a:solidFill>
+              <a:schemeClr val="dk2"/>
+            </a:solidFill>
+            <a:prstDash val="solid"/>
+            <a:round/>
+            <a:headEnd type="none" w="med" len="med"/>
+            <a:tailEnd type="none" w="med" len="med"/>
+          </a:ln>
+        </p:spPr>
+      </p:cxnSp>
+      <p:sp>
+        <p:nvSpPr>
+          <p:cNvPr id="120" name="Google Shape;120;p19"/>
+          <p:cNvSpPr txBox="1"/>
+          <p:nvPr/>
+        </p:nvSpPr>
+        <p:spPr>
+          <a:xfrm>
+            <a:off x="7260175" y="105825"/>
+            <a:ext cx="1488600" cy="307800"/>
+          </a:xfrm>
+          <a:prstGeom prst="rect">
+            <a:avLst/>
+          </a:prstGeom>
+          <a:noFill/>
+          <a:ln>
+            <a:noFill/>
+          </a:ln>
+        </p:spPr>
+        <p:txBody>
+          <a:bodyPr spcFirstLastPara="1" wrap="square" lIns="91425" tIns="91425" rIns="91425" bIns="91425" anchor="t" anchorCtr="0">
+            <a:spAutoFit/>
+          </a:bodyPr>
+          <a:lstStyle/>
+          <a:p>
+            <a:pPr marL="0" lvl="0" indent="0" algn="l" rtl="0">
+              <a:spcBef>
+                <a:spcPts val="0"/>
+              </a:spcBef>
+              <a:spcAft>
+                <a:spcPts val="0"/>
+              </a:spcAft>
+              <a:buNone/>
+            </a:pPr>
+            <a:endParaRPr sz="800"/>
+          </a:p>
+        </p:txBody>
+      </p:sp>
+      <p:sp>
+        <p:nvSpPr>
+          <p:cNvPr id="121" name="Google Shape;121;p19"/>
+          <p:cNvSpPr txBox="1"/>
+          <p:nvPr/>
+        </p:nvSpPr>
+        <p:spPr>
+          <a:xfrm>
+            <a:off x="3827700" y="768075"/>
+            <a:ext cx="1488600" cy="400200"/>
+          </a:xfrm>
+          <a:prstGeom prst="rect">
+            <a:avLst/>
+          </a:prstGeom>
+          <a:noFill/>
+          <a:ln>
+            <a:noFill/>
+          </a:ln>
+        </p:spPr>
+        <p:txBody>
+          <a:bodyPr spcFirstLastPara="1" wrap="square" lIns="91425" tIns="91425" rIns="91425" bIns="91425" anchor="t" anchorCtr="0">
+            <a:spAutoFit/>
+          </a:bodyPr>
+          <a:lstStyle/>
+          <a:p>
+            <a:pPr marL="0" lvl="0" indent="0" algn="ctr" rtl="0">
+              <a:spcBef>
+                <a:spcPts val="0"/>
+              </a:spcBef>
+              <a:spcAft>
+                <a:spcPts val="0"/>
+              </a:spcAft>
+              <a:buClr>
+                <a:schemeClr val="dk1"/>
+              </a:buClr>
+              <a:buSzPts val="1100"/>
+              <a:buFont typeface="Arial"/>
+              <a:buNone/>
+            </a:pPr>
+            <a:r>
+              <a:rPr lang="en" sz="700" dirty="0">
+                <a:solidFill>
+                  <a:schemeClr val="dk1"/>
+                </a:solidFill>
+              </a:rPr>
+              <a:t>(UI + Presenter)</a:t>
+            </a:r>
+            <a:endParaRPr sz="400" dirty="0">
+              <a:solidFill>
+                <a:schemeClr val="dk1"/>
+              </a:solidFill>
+            </a:endParaRPr>
+          </a:p>
+          <a:p>
+            <a:pPr marL="0" lvl="0" indent="0" algn="ctr" rtl="0">
+              <a:spcBef>
+                <a:spcPts val="0"/>
+              </a:spcBef>
+              <a:spcAft>
+                <a:spcPts val="0"/>
+              </a:spcAft>
+              <a:buNone/>
+            </a:pPr>
+            <a:endParaRPr sz="700" dirty="0">
+              <a:solidFill>
+                <a:schemeClr val="dk1"/>
+              </a:solidFill>
+            </a:endParaRPr>
+          </a:p>
+        </p:txBody>
+      </p:sp>
+    </p:spTree>
+    <p:extLst>
+      <p:ext uri="{BB962C8B-B14F-4D97-AF65-F5344CB8AC3E}">
+        <p14:creationId xmlns:p14="http://schemas.microsoft.com/office/powerpoint/2010/main" val="2599340835"/>
+      </p:ext>
+    </p:extLst>
+  </p:cSld>
+  <p:clrMapOvr>
+    <a:masterClrMapping/>
+  </p:clrMapOvr>
+</p:sld>
+</file>
+
+<file path=ppt/slides/slide7.xml><?xml version="1.0" encoding="utf-8"?>
 <p:sld xmlns:a="http://schemas.openxmlformats.org/drawingml/2006/main" xmlns:r="http://schemas.openxmlformats.org/officeDocument/2006/relationships" xmlns:p="http://schemas.openxmlformats.org/presentationml/2006/main">
   <p:cSld>
     <p:spTree>
@@ -11899,10 +12705,10 @@
               <a:buNone/>
             </a:pPr>
             <a:r>
-              <a:rPr lang="en" b="1"/>
-              <a:t>LoginUseCaseClass → (Daniel)</a:t>
-            </a:r>
-            <a:endParaRPr b="1"/>
+              <a:rPr lang="en" b="1" dirty="0"/>
+              <a:t>LoginUseCase Class</a:t>
+            </a:r>
+            <a:endParaRPr b="1" dirty="0"/>
           </a:p>
         </p:txBody>
       </p:sp>
@@ -11927,11 +12733,11 @@
         </p:spPr>
         <p:txBody>
           <a:bodyPr spcFirstLastPara="1" wrap="square" lIns="91425" tIns="91425" rIns="91425" bIns="91425" anchor="t" anchorCtr="0">
-            <a:normAutofit lnSpcReduction="10000"/>
+            <a:normAutofit/>
           </a:bodyPr>
           <a:lstStyle/>
           <a:p>
-            <a:pPr marL="457200" lvl="0" indent="-317500" algn="l" rtl="0">
+            <a:pPr marL="139700" lvl="0" indent="0" algn="l" rtl="0">
               <a:spcBef>
                 <a:spcPts val="0"/>
               </a:spcBef>
@@ -11939,16 +12745,23 @@
                 <a:spcPts val="0"/>
               </a:spcAft>
               <a:buSzPts val="1400"/>
-              <a:buChar char="●"/>
-            </a:pPr>
-            <a:r>
-              <a:rPr lang="en"/>
-              <a:t>Determines if entered parameters lines up with User in UserTracker</a:t>
-            </a:r>
-            <a:endParaRPr/>
-          </a:p>
-          <a:p>
-            <a:pPr marL="457200" lvl="0" indent="-317500" algn="l" rtl="0">
+              <a:buNone/>
+            </a:pPr>
+            <a:r>
+              <a:rPr lang="en-US" dirty="0"/>
+              <a:t>Called in </a:t>
+            </a:r>
+            <a:r>
+              <a:rPr lang="en-US" dirty="0" err="1"/>
+              <a:t>LoginMenu</a:t>
+            </a:r>
+            <a:r>
+              <a:rPr lang="en-US" dirty="0"/>
+              <a:t> method</a:t>
+            </a:r>
+          </a:p>
+          <a:p>
+            <a:pPr marL="139700" lvl="0" indent="0" algn="l" rtl="0">
               <a:spcBef>
                 <a:spcPts val="0"/>
               </a:spcBef>
@@ -11956,167 +12769,13 @@
                 <a:spcPts val="0"/>
               </a:spcAft>
               <a:buSzPts val="1400"/>
-              <a:buChar char="●"/>
-            </a:pPr>
-            <a:r>
-              <a:rPr lang="en"/>
-              <a:t>Returns a tuple(boolean, boolean)</a:t>
-            </a:r>
-            <a:endParaRPr/>
-          </a:p>
-          <a:p>
-            <a:pPr marL="914400" lvl="1" indent="-298450" algn="l" rtl="0">
-              <a:spcBef>
-                <a:spcPts val="0"/>
-              </a:spcBef>
-              <a:spcAft>
-                <a:spcPts val="0"/>
-              </a:spcAft>
-              <a:buClr>
-                <a:schemeClr val="dk1"/>
-              </a:buClr>
-              <a:buSzPts val="1100"/>
-              <a:buChar char="○"/>
-            </a:pPr>
-            <a:r>
-              <a:rPr lang="en" sz="1100">
-                <a:solidFill>
-                  <a:schemeClr val="dk1"/>
-                </a:solidFill>
-              </a:rPr>
-              <a:t>First boolean: (checking if the User exists)</a:t>
-            </a:r>
-            <a:endParaRPr sz="1100">
-              <a:solidFill>
-                <a:schemeClr val="dk1"/>
-              </a:solidFill>
-            </a:endParaRPr>
-          </a:p>
-          <a:p>
-            <a:pPr marL="1371600" lvl="2" indent="-298450" algn="l" rtl="0">
-              <a:spcBef>
-                <a:spcPts val="0"/>
-              </a:spcBef>
-              <a:spcAft>
-                <a:spcPts val="0"/>
-              </a:spcAft>
-              <a:buClr>
-                <a:schemeClr val="dk1"/>
-              </a:buClr>
-              <a:buSzPts val="1100"/>
-              <a:buChar char="■"/>
-            </a:pPr>
-            <a:r>
-              <a:rPr lang="en" sz="1100">
-                <a:solidFill>
-                  <a:schemeClr val="dk1"/>
-                </a:solidFill>
-              </a:rPr>
-              <a:t>If UserTracker.contains(username, password):</a:t>
-            </a:r>
-            <a:endParaRPr sz="1100">
-              <a:solidFill>
-                <a:schemeClr val="dk1"/>
-              </a:solidFill>
-            </a:endParaRPr>
-          </a:p>
-          <a:p>
-            <a:pPr marL="1371600" lvl="2" indent="-298450" algn="l" rtl="0">
-              <a:spcBef>
-                <a:spcPts val="0"/>
-              </a:spcBef>
-              <a:spcAft>
-                <a:spcPts val="0"/>
-              </a:spcAft>
-              <a:buClr>
-                <a:schemeClr val="dk1"/>
-              </a:buClr>
-              <a:buSzPts val="1100"/>
-              <a:buChar char="■"/>
-            </a:pPr>
-            <a:r>
-              <a:rPr lang="en" sz="1100">
-                <a:solidFill>
-                  <a:schemeClr val="dk1"/>
-                </a:solidFill>
-              </a:rPr>
-              <a:t>If true, </a:t>
-            </a:r>
-            <a:r>
-              <a:rPr lang="en" sz="1100" b="1">
-                <a:solidFill>
-                  <a:schemeClr val="dk1"/>
-                </a:solidFill>
-              </a:rPr>
-              <a:t>update pre-existing User (Login date/times) in UserTracker</a:t>
-            </a:r>
-            <a:endParaRPr sz="1100" b="1">
-              <a:solidFill>
-                <a:schemeClr val="dk1"/>
-              </a:solidFill>
-            </a:endParaRPr>
-          </a:p>
-          <a:p>
-            <a:pPr marL="1371600" lvl="0" indent="0" algn="l" rtl="0">
-              <a:spcBef>
-                <a:spcPts val="0"/>
-              </a:spcBef>
-              <a:spcAft>
-                <a:spcPts val="0"/>
-              </a:spcAft>
-              <a:buNone/>
-            </a:pPr>
-            <a:endParaRPr sz="1100">
-              <a:solidFill>
-                <a:schemeClr val="dk1"/>
-              </a:solidFill>
-            </a:endParaRPr>
-          </a:p>
-          <a:p>
-            <a:pPr marL="914400" lvl="1" indent="-304800" algn="l" rtl="0">
-              <a:spcBef>
-                <a:spcPts val="0"/>
-              </a:spcBef>
-              <a:spcAft>
-                <a:spcPts val="0"/>
-              </a:spcAft>
-              <a:buSzPts val="1200"/>
-              <a:buChar char="○"/>
-            </a:pPr>
-            <a:r>
-              <a:rPr lang="en"/>
-              <a:t>Second boolean(checking if user is an admin)</a:t>
-            </a:r>
-            <a:endParaRPr/>
-          </a:p>
-          <a:p>
-            <a:pPr marL="1371600" lvl="2" indent="-304800" algn="l" rtl="0">
-              <a:spcBef>
-                <a:spcPts val="0"/>
-              </a:spcBef>
-              <a:spcAft>
-                <a:spcPts val="0"/>
-              </a:spcAft>
-              <a:buSzPts val="1200"/>
-              <a:buChar char="■"/>
-            </a:pPr>
-            <a:r>
-              <a:rPr lang="en"/>
-              <a:t>Return </a:t>
-            </a:r>
-            <a:r>
-              <a:rPr lang="en" sz="1100">
-                <a:solidFill>
-                  <a:schemeClr val="dk1"/>
-                </a:solidFill>
-              </a:rPr>
-              <a:t>User.isinstance(admin)</a:t>
-            </a:r>
-            <a:endParaRPr sz="1100">
-              <a:solidFill>
-                <a:schemeClr val="dk1"/>
-              </a:solidFill>
-            </a:endParaRPr>
+              <a:buNone/>
+            </a:pPr>
+            <a:r>
+              <a:rPr lang="en-US" dirty="0"/>
+              <a:t>Has two parameters: Username &amp; Password</a:t>
+            </a:r>
+            <a:endParaRPr dirty="0"/>
           </a:p>
           <a:p>
             <a:pPr marL="0" lvl="0" indent="0" algn="l" rtl="0">
@@ -12128,7 +12787,60 @@
               </a:spcAft>
               <a:buNone/>
             </a:pPr>
-            <a:endParaRPr/>
+            <a:r>
+              <a:rPr lang="en-US" dirty="0"/>
+              <a:t>Returns two Booleans:</a:t>
+            </a:r>
+          </a:p>
+          <a:p>
+            <a:pPr marL="342900" lvl="0" indent="-342900" algn="l" rtl="0">
+              <a:spcBef>
+                <a:spcPts val="1200"/>
+              </a:spcBef>
+              <a:spcAft>
+                <a:spcPts val="0"/>
+              </a:spcAft>
+              <a:buAutoNum type="arabicParenR"/>
+            </a:pPr>
+            <a:r>
+              <a:rPr lang="en-US" dirty="0"/>
+              <a:t>To see if the User exists in the database or not </a:t>
+            </a:r>
+          </a:p>
+          <a:p>
+            <a:pPr marL="342900" lvl="0" indent="-342900" algn="l" rtl="0">
+              <a:spcBef>
+                <a:spcPts val="1200"/>
+              </a:spcBef>
+              <a:spcAft>
+                <a:spcPts val="0"/>
+              </a:spcAft>
+              <a:buAutoNum type="arabicParenR"/>
+            </a:pPr>
+            <a:r>
+              <a:rPr lang="en-US" dirty="0"/>
+              <a:t>To see if the existing user is an admin (getter in </a:t>
+            </a:r>
+            <a:r>
+              <a:rPr lang="en-US" dirty="0" err="1"/>
+              <a:t>UserTracker</a:t>
+            </a:r>
+            <a:r>
+              <a:rPr lang="en-US" dirty="0"/>
+              <a:t> and User classes)</a:t>
+            </a:r>
+          </a:p>
+          <a:p>
+            <a:pPr marL="342900" lvl="0" indent="-342900" algn="l" rtl="0">
+              <a:spcBef>
+                <a:spcPts val="1200"/>
+              </a:spcBef>
+              <a:spcAft>
+                <a:spcPts val="0"/>
+              </a:spcAft>
+              <a:buAutoNum type="arabicParenR"/>
+            </a:pPr>
+            <a:endParaRPr dirty="0"/>
           </a:p>
           <a:p>
             <a:pPr marL="0" lvl="0" indent="0" algn="l" rtl="0">
@@ -12140,7 +12852,7 @@
               </a:spcAft>
               <a:buNone/>
             </a:pPr>
-            <a:endParaRPr/>
+            <a:endParaRPr dirty="0"/>
           </a:p>
         </p:txBody>
       </p:sp>
@@ -12184,18 +12896,17 @@
               <a:buNone/>
             </a:pPr>
             <a:r>
-              <a:rPr lang="en" sz="1000"/>
+              <a:rPr lang="en" sz="1000" dirty="0"/>
               <a:t>UserTracker</a:t>
             </a:r>
-            <a:endParaRPr sz="1000"/>
           </a:p>
           <a:p>
             <a:pPr marL="0" lvl="0" indent="0" algn="l" rtl="0">
               <a:spcBef>
-                <a:spcPts val="1200"/>
-              </a:spcBef>
-              <a:spcAft>
-                <a:spcPts val="1200"/>
+                <a:spcPts val="0"/>
+              </a:spcBef>
+              <a:spcAft>
+                <a:spcPts val="0"/>
               </a:spcAft>
               <a:buClr>
                 <a:schemeClr val="dk1"/>
@@ -12204,7 +12915,11 @@
               <a:buFont typeface="Arial"/>
               <a:buNone/>
             </a:pPr>
-            <a:endParaRPr/>
+            <a:r>
+              <a:rPr lang="en" sz="1000" dirty="0"/>
+              <a:t>User</a:t>
+            </a:r>
+            <a:endParaRPr sz="1000" dirty="0"/>
           </a:p>
         </p:txBody>
       </p:sp>
@@ -12358,7 +13073,7 @@
 </p:sld>
 </file>
 
-<file path=ppt/slides/slide7.xml><?xml version="1.0" encoding="utf-8"?>
+<file path=ppt/slides/slide8.xml><?xml version="1.0" encoding="utf-8"?>
 <p:sld xmlns:a="http://schemas.openxmlformats.org/drawingml/2006/main" xmlns:r="http://schemas.openxmlformats.org/officeDocument/2006/relationships" xmlns:p="http://schemas.openxmlformats.org/presentationml/2006/main">
   <p:cSld>
     <p:spTree>
@@ -12410,10 +13125,10 @@
               <a:buNone/>
             </a:pPr>
             <a:r>
-              <a:rPr lang="en" b="1"/>
-              <a:t>RegisterClass → Karl</a:t>
-            </a:r>
-            <a:endParaRPr b="1"/>
+              <a:rPr lang="en" b="1" dirty="0"/>
+              <a:t>RegisterUseCase</a:t>
+            </a:r>
+            <a:endParaRPr b="1" dirty="0"/>
           </a:p>
         </p:txBody>
       </p:sp>
@@ -12452,10 +13167,10 @@
               <a:buNone/>
             </a:pPr>
             <a:r>
-              <a:rPr lang="en"/>
+              <a:rPr lang="en" dirty="0"/>
               <a:t>Create a User with userinfo passed in as parameter. </a:t>
             </a:r>
-            <a:endParaRPr/>
+            <a:endParaRPr dirty="0"/>
           </a:p>
           <a:p>
             <a:pPr marL="0" lvl="0" indent="0" algn="l" rtl="0">
@@ -12468,10 +13183,9 @@
               <a:buNone/>
             </a:pPr>
             <a:r>
-              <a:rPr lang="en"/>
-              <a:t>Before creating a new User, it should check if a User with same username already exists (call methods in UserTracker). If so return false, if no, return true.</a:t>
-            </a:r>
-            <a:endParaRPr/>
+              <a:rPr lang="en" dirty="0"/>
+              <a:t>Before creating a new User, it should check if a User with same username already exists in the database (call getter methods in UserTracker). </a:t>
+            </a:r>
           </a:p>
           <a:p>
             <a:pPr marL="0" lvl="0" indent="0" algn="l" rtl="0">
@@ -12484,10 +13198,10 @@
               <a:buNone/>
             </a:pPr>
             <a:r>
-              <a:rPr lang="en"/>
-              <a:t>Add User to UserTracker.</a:t>
-            </a:r>
-            <a:endParaRPr/>
+              <a:rPr lang="en" dirty="0"/>
+              <a:t>Return false if user exists, true if not.</a:t>
+            </a:r>
+            <a:endParaRPr lang="en-US" dirty="0"/>
           </a:p>
           <a:p>
             <a:pPr marL="0" lvl="0" indent="0" algn="l" rtl="0">
@@ -12495,11 +13209,27 @@
                 <a:spcPts val="1200"/>
               </a:spcBef>
               <a:spcAft>
+                <a:spcPts val="0"/>
+              </a:spcAft>
+              <a:buNone/>
+            </a:pPr>
+            <a:r>
+              <a:rPr lang="en" dirty="0"/>
+              <a:t>Add User to UserTracker if they don’t exist.</a:t>
+            </a:r>
+            <a:endParaRPr dirty="0"/>
+          </a:p>
+          <a:p>
+            <a:pPr marL="0" lvl="0" indent="0" algn="l" rtl="0">
+              <a:spcBef>
                 <a:spcPts val="1200"/>
-              </a:spcAft>
-              <a:buNone/>
-            </a:pPr>
-            <a:endParaRPr/>
+              </a:spcBef>
+              <a:spcAft>
+                <a:spcPts val="1200"/>
+              </a:spcAft>
+              <a:buNone/>
+            </a:pPr>
+            <a:endParaRPr dirty="0"/>
           </a:p>
         </p:txBody>
       </p:sp>
@@ -12733,7 +13463,7 @@
 </p:sld>
 </file>
 
-<file path=ppt/slides/slide8.xml><?xml version="1.0" encoding="utf-8"?>
+<file path=ppt/slides/slide9.xml><?xml version="1.0" encoding="utf-8"?>
 <p:sld xmlns:a="http://schemas.openxmlformats.org/drawingml/2006/main" xmlns:r="http://schemas.openxmlformats.org/officeDocument/2006/relationships" xmlns:p="http://schemas.openxmlformats.org/presentationml/2006/main">
   <p:cSld>
     <p:spTree>
@@ -12785,10 +13515,10 @@
               <a:buNone/>
             </a:pPr>
             <a:r>
-              <a:rPr lang="en" b="1"/>
-              <a:t>AddAdminClass → Mani</a:t>
-            </a:r>
-            <a:endParaRPr b="1"/>
+              <a:rPr lang="en" b="1" dirty="0"/>
+              <a:t>AddAdmin Class</a:t>
+            </a:r>
+            <a:endParaRPr b="1" dirty="0"/>
           </a:p>
         </p:txBody>
       </p:sp>
@@ -12827,14 +13557,44 @@
               <a:buNone/>
             </a:pPr>
             <a:r>
-              <a:rPr lang="en"/>
-              <a:t>Create a new admin user</a:t>
-            </a:r>
-            <a:endParaRPr/>
+              <a:rPr lang="en" dirty="0"/>
+              <a:t>Called within the AdminMenu Class</a:t>
+            </a:r>
           </a:p>
           <a:p>
             <a:pPr marL="0" lvl="0" indent="0" algn="l" rtl="0">
               <a:spcBef>
+                <a:spcPts val="0"/>
+              </a:spcBef>
+              <a:spcAft>
+                <a:spcPts val="0"/>
+              </a:spcAft>
+              <a:buNone/>
+            </a:pPr>
+            <a:r>
+              <a:rPr lang="en" dirty="0"/>
+              <a:t>Takes in Admin information as parameter</a:t>
+            </a:r>
+          </a:p>
+          <a:p>
+            <a:pPr marL="0" lvl="0" indent="0" algn="l" rtl="0">
+              <a:spcBef>
+                <a:spcPts val="0"/>
+              </a:spcBef>
+              <a:spcAft>
+                <a:spcPts val="0"/>
+              </a:spcAft>
+              <a:buNone/>
+            </a:pPr>
+            <a:r>
+              <a:rPr lang="en" dirty="0"/>
+              <a:t>Create new admin based on information</a:t>
+            </a:r>
+            <a:endParaRPr dirty="0"/>
+          </a:p>
+          <a:p>
+            <a:pPr marL="0" lvl="0" indent="0" algn="l" rtl="0">
+              <a:spcBef>
                 <a:spcPts val="1200"/>
               </a:spcBef>
               <a:spcAft>
@@ -12843,10 +13603,10 @@
               <a:buNone/>
             </a:pPr>
             <a:r>
-              <a:rPr lang="en"/>
+              <a:rPr lang="en" dirty="0"/>
               <a:t>Add this user to the usertracker</a:t>
             </a:r>
-            <a:endParaRPr/>
+            <a:endParaRPr dirty="0"/>
           </a:p>
           <a:p>
             <a:pPr marL="0" lvl="0" indent="0" algn="l" rtl="0">
@@ -12854,55 +13614,22 @@
                 <a:spcPts val="1200"/>
               </a:spcBef>
               <a:spcAft>
-                <a:spcPts val="0"/>
-              </a:spcAft>
-              <a:buNone/>
-            </a:pPr>
-            <a:r>
-              <a:rPr lang="en"/>
-              <a:t>Input: admin information (dependent on the Admin/User class)</a:t>
-            </a:r>
-            <a:endParaRPr/>
-          </a:p>
-          <a:p>
-            <a:pPr marL="0" lvl="0" indent="0" algn="l" rtl="0">
-              <a:spcBef>
                 <a:spcPts val="1200"/>
-              </a:spcBef>
-              <a:spcAft>
-                <a:spcPts val="0"/>
-              </a:spcAft>
-              <a:buNone/>
-            </a:pPr>
-            <a:r>
-              <a:rPr lang="en"/>
-              <a:t>Output: none</a:t>
-            </a:r>
-            <a:endParaRPr/>
-          </a:p>
-          <a:p>
-            <a:pPr marL="457200" lvl="0" indent="0" algn="l" rtl="0">
-              <a:spcBef>
-                <a:spcPts val="1200"/>
-              </a:spcBef>
-              <a:spcAft>
-                <a:spcPts val="0"/>
-              </a:spcAft>
-              <a:buNone/>
-            </a:pPr>
-            <a:endParaRPr/>
-          </a:p>
-          <a:p>
-            <a:pPr marL="0" lvl="0" indent="0" algn="l" rtl="0">
-              <a:spcBef>
-                <a:spcPts val="1200"/>
-              </a:spcBef>
-              <a:spcAft>
-                <a:spcPts val="1200"/>
-              </a:spcAft>
-              <a:buNone/>
-            </a:pPr>
-            <a:endParaRPr/>
+              </a:spcAft>
+              <a:buNone/>
+            </a:pPr>
+            <a:r>
+              <a:rPr lang="en-US" dirty="0"/>
+              <a:t>- Special: automatically create a base (first) admin if the database is empty. Only called from the </a:t>
+            </a:r>
+            <a:r>
+              <a:rPr lang="en-US" dirty="0" err="1"/>
+              <a:t>MainApplication</a:t>
+            </a:r>
+            <a:r>
+              <a:rPr lang="en-US" dirty="0"/>
+              <a:t> Class.</a:t>
+            </a:r>
           </a:p>
         </p:txBody>
       </p:sp>
@@ -12946,10 +13673,10 @@
               <a:buNone/>
             </a:pPr>
             <a:r>
-              <a:rPr lang="en" sz="1000"/>
-              <a:t>Admin &amp; User</a:t>
-            </a:r>
-            <a:endParaRPr sz="1000"/>
+              <a:rPr lang="en" sz="1000" dirty="0"/>
+              <a:t>Admin, User</a:t>
+            </a:r>
+            <a:endParaRPr sz="1000" dirty="0"/>
           </a:p>
           <a:p>
             <a:pPr marL="0" lvl="0" indent="0" algn="l" rtl="0">
@@ -12967,10 +13694,10 @@
               <a:buNone/>
             </a:pPr>
             <a:r>
-              <a:rPr lang="en" sz="1000"/>
+              <a:rPr lang="en" sz="1000" dirty="0"/>
               <a:t>UserTracker</a:t>
             </a:r>
-            <a:endParaRPr sz="1000"/>
+            <a:endParaRPr sz="1000" dirty="0"/>
           </a:p>
           <a:p>
             <a:pPr marL="0" lvl="0" indent="0" algn="l" rtl="0">
@@ -12982,7 +13709,7 @@
               </a:spcAft>
               <a:buNone/>
             </a:pPr>
-            <a:endParaRPr/>
+            <a:endParaRPr dirty="0"/>
           </a:p>
         </p:txBody>
       </p:sp>
@@ -13081,431 +13808,6 @@
       <p:sp>
         <p:nvSpPr>
           <p:cNvPr id="154" name="Google Shape;154;p22"/>
-          <p:cNvSpPr txBox="1"/>
-          <p:nvPr/>
-        </p:nvSpPr>
-        <p:spPr>
-          <a:xfrm>
-            <a:off x="3827700" y="768075"/>
-            <a:ext cx="1488600" cy="292500"/>
-          </a:xfrm>
-          <a:prstGeom prst="rect">
-            <a:avLst/>
-          </a:prstGeom>
-          <a:noFill/>
-          <a:ln>
-            <a:noFill/>
-          </a:ln>
-        </p:spPr>
-        <p:txBody>
-          <a:bodyPr spcFirstLastPara="1" wrap="square" lIns="91425" tIns="91425" rIns="91425" bIns="91425" anchor="t" anchorCtr="0">
-            <a:spAutoFit/>
-          </a:bodyPr>
-          <a:lstStyle/>
-          <a:p>
-            <a:pPr marL="0" lvl="0" indent="0" algn="ctr" rtl="0">
-              <a:spcBef>
-                <a:spcPts val="0"/>
-              </a:spcBef>
-              <a:spcAft>
-                <a:spcPts val="0"/>
-              </a:spcAft>
-              <a:buNone/>
-            </a:pPr>
-            <a:r>
-              <a:rPr lang="en" sz="700">
-                <a:solidFill>
-                  <a:schemeClr val="dk1"/>
-                </a:solidFill>
-              </a:rPr>
-              <a:t>(Use Case)</a:t>
-            </a:r>
-            <a:endParaRPr sz="700">
-              <a:solidFill>
-                <a:schemeClr val="dk1"/>
-              </a:solidFill>
-            </a:endParaRPr>
-          </a:p>
-        </p:txBody>
-      </p:sp>
-    </p:spTree>
-  </p:cSld>
-  <p:clrMapOvr>
-    <a:masterClrMapping/>
-  </p:clrMapOvr>
-</p:sld>
-</file>
-
-<file path=ppt/slides/slide9.xml><?xml version="1.0" encoding="utf-8"?>
-<p:sld xmlns:a="http://schemas.openxmlformats.org/drawingml/2006/main" xmlns:r="http://schemas.openxmlformats.org/officeDocument/2006/relationships" xmlns:p="http://schemas.openxmlformats.org/presentationml/2006/main">
-  <p:cSld>
-    <p:spTree>
-      <p:nvGrpSpPr>
-        <p:cNvPr id="1" name="Shape 158"/>
-        <p:cNvGrpSpPr/>
-        <p:nvPr/>
-      </p:nvGrpSpPr>
-      <p:grpSpPr>
-        <a:xfrm>
-          <a:off x="0" y="0"/>
-          <a:ext cx="0" cy="0"/>
-          <a:chOff x="0" y="0"/>
-          <a:chExt cx="0" cy="0"/>
-        </a:xfrm>
-      </p:grpSpPr>
-      <p:sp>
-        <p:nvSpPr>
-          <p:cNvPr id="159" name="Google Shape;159;p23"/>
-          <p:cNvSpPr txBox="1">
-            <a:spLocks noGrp="1"/>
-          </p:cNvSpPr>
-          <p:nvPr>
-            <p:ph type="title"/>
-          </p:nvPr>
-        </p:nvSpPr>
-        <p:spPr>
-          <a:xfrm>
-            <a:off x="311700" y="445025"/>
-            <a:ext cx="8520600" cy="572700"/>
-          </a:xfrm>
-          <a:prstGeom prst="rect">
-            <a:avLst/>
-          </a:prstGeom>
-        </p:spPr>
-        <p:txBody>
-          <a:bodyPr spcFirstLastPara="1" wrap="square" lIns="91425" tIns="91425" rIns="91425" bIns="91425" anchor="t" anchorCtr="0">
-            <a:normAutofit fontScale="90000"/>
-          </a:bodyPr>
-          <a:lstStyle/>
-          <a:p>
-            <a:pPr marL="0" lvl="0" indent="0" algn="ctr" rtl="0">
-              <a:spcBef>
-                <a:spcPts val="0"/>
-              </a:spcBef>
-              <a:spcAft>
-                <a:spcPts val="0"/>
-              </a:spcAft>
-              <a:buNone/>
-            </a:pPr>
-            <a:r>
-              <a:rPr lang="en" b="1"/>
-              <a:t>DeleteUserClass → Mani</a:t>
-            </a:r>
-            <a:endParaRPr b="1"/>
-          </a:p>
-        </p:txBody>
-      </p:sp>
-      <p:sp>
-        <p:nvSpPr>
-          <p:cNvPr id="160" name="Google Shape;160;p23"/>
-          <p:cNvSpPr txBox="1">
-            <a:spLocks noGrp="1"/>
-          </p:cNvSpPr>
-          <p:nvPr>
-            <p:ph type="body" idx="1"/>
-          </p:nvPr>
-        </p:nvSpPr>
-        <p:spPr>
-          <a:xfrm>
-            <a:off x="311700" y="1152475"/>
-            <a:ext cx="3999900" cy="3416400"/>
-          </a:xfrm>
-          <a:prstGeom prst="rect">
-            <a:avLst/>
-          </a:prstGeom>
-        </p:spPr>
-        <p:txBody>
-          <a:bodyPr spcFirstLastPara="1" wrap="square" lIns="91425" tIns="91425" rIns="91425" bIns="91425" anchor="t" anchorCtr="0">
-            <a:normAutofit/>
-          </a:bodyPr>
-          <a:lstStyle/>
-          <a:p>
-            <a:pPr marL="0" lvl="0" indent="0" algn="l" rtl="0">
-              <a:spcBef>
-                <a:spcPts val="0"/>
-              </a:spcBef>
-              <a:spcAft>
-                <a:spcPts val="0"/>
-              </a:spcAft>
-              <a:buNone/>
-            </a:pPr>
-            <a:r>
-              <a:rPr lang="en"/>
-              <a:t>Find User in UserTracker</a:t>
-            </a:r>
-            <a:endParaRPr/>
-          </a:p>
-          <a:p>
-            <a:pPr marL="0" lvl="0" indent="0" algn="l" rtl="0">
-              <a:spcBef>
-                <a:spcPts val="1200"/>
-              </a:spcBef>
-              <a:spcAft>
-                <a:spcPts val="0"/>
-              </a:spcAft>
-              <a:buNone/>
-            </a:pPr>
-            <a:r>
-              <a:rPr lang="en"/>
-              <a:t>Remove User from the UserTracker</a:t>
-            </a:r>
-            <a:endParaRPr/>
-          </a:p>
-          <a:p>
-            <a:pPr marL="0" lvl="0" indent="0" algn="l" rtl="0">
-              <a:spcBef>
-                <a:spcPts val="1200"/>
-              </a:spcBef>
-              <a:spcAft>
-                <a:spcPts val="0"/>
-              </a:spcAft>
-              <a:buNone/>
-            </a:pPr>
-            <a:r>
-              <a:rPr lang="en"/>
-              <a:t>Input: Username</a:t>
-            </a:r>
-            <a:endParaRPr/>
-          </a:p>
-          <a:p>
-            <a:pPr marL="0" lvl="0" indent="0" algn="l" rtl="0">
-              <a:spcBef>
-                <a:spcPts val="1200"/>
-              </a:spcBef>
-              <a:spcAft>
-                <a:spcPts val="0"/>
-              </a:spcAft>
-              <a:buNone/>
-            </a:pPr>
-            <a:r>
-              <a:rPr lang="en"/>
-              <a:t>Output: boolean value</a:t>
-            </a:r>
-            <a:endParaRPr/>
-          </a:p>
-          <a:p>
-            <a:pPr marL="457200" lvl="0" indent="-317500" algn="l" rtl="0">
-              <a:spcBef>
-                <a:spcPts val="1200"/>
-              </a:spcBef>
-              <a:spcAft>
-                <a:spcPts val="0"/>
-              </a:spcAft>
-              <a:buSzPts val="1400"/>
-              <a:buChar char="-"/>
-            </a:pPr>
-            <a:r>
-              <a:rPr lang="en"/>
-              <a:t>True if found user</a:t>
-            </a:r>
-            <a:endParaRPr/>
-          </a:p>
-          <a:p>
-            <a:pPr marL="457200" lvl="0" indent="-317500" algn="l" rtl="0">
-              <a:spcBef>
-                <a:spcPts val="0"/>
-              </a:spcBef>
-              <a:spcAft>
-                <a:spcPts val="0"/>
-              </a:spcAft>
-              <a:buSzPts val="1400"/>
-              <a:buChar char="-"/>
-            </a:pPr>
-            <a:r>
-              <a:rPr lang="en"/>
-              <a:t>False if not found user</a:t>
-            </a:r>
-            <a:endParaRPr/>
-          </a:p>
-          <a:p>
-            <a:pPr marL="0" lvl="0" indent="0" algn="l" rtl="0">
-              <a:spcBef>
-                <a:spcPts val="1200"/>
-              </a:spcBef>
-              <a:spcAft>
-                <a:spcPts val="1200"/>
-              </a:spcAft>
-              <a:buNone/>
-            </a:pPr>
-            <a:endParaRPr/>
-          </a:p>
-        </p:txBody>
-      </p:sp>
-      <p:sp>
-        <p:nvSpPr>
-          <p:cNvPr id="161" name="Google Shape;161;p23"/>
-          <p:cNvSpPr txBox="1">
-            <a:spLocks noGrp="1"/>
-          </p:cNvSpPr>
-          <p:nvPr>
-            <p:ph type="body" idx="2"/>
-          </p:nvPr>
-        </p:nvSpPr>
-        <p:spPr>
-          <a:xfrm>
-            <a:off x="4832400" y="1152475"/>
-            <a:ext cx="3999900" cy="3416400"/>
-          </a:xfrm>
-          <a:prstGeom prst="rect">
-            <a:avLst/>
-          </a:prstGeom>
-        </p:spPr>
-        <p:txBody>
-          <a:bodyPr spcFirstLastPara="1" wrap="square" lIns="91425" tIns="91425" rIns="91425" bIns="91425" anchor="t" anchorCtr="0">
-            <a:normAutofit/>
-          </a:bodyPr>
-          <a:lstStyle/>
-          <a:p>
-            <a:pPr marL="0" lvl="0" indent="0" algn="l" rtl="0">
-              <a:spcBef>
-                <a:spcPts val="0"/>
-              </a:spcBef>
-              <a:spcAft>
-                <a:spcPts val="0"/>
-              </a:spcAft>
-              <a:buClr>
-                <a:schemeClr val="dk1"/>
-              </a:buClr>
-              <a:buSzPts val="1100"/>
-              <a:buFont typeface="Arial"/>
-              <a:buNone/>
-            </a:pPr>
-            <a:r>
-              <a:rPr lang="en" sz="1000"/>
-              <a:t>Admin &amp; User </a:t>
-            </a:r>
-            <a:endParaRPr sz="1000"/>
-          </a:p>
-          <a:p>
-            <a:pPr marL="0" lvl="0" indent="0" algn="l" rtl="0">
-              <a:spcBef>
-                <a:spcPts val="1200"/>
-              </a:spcBef>
-              <a:spcAft>
-                <a:spcPts val="0"/>
-              </a:spcAft>
-              <a:buClr>
-                <a:schemeClr val="dk1"/>
-              </a:buClr>
-              <a:buSzPts val="1100"/>
-              <a:buFont typeface="Arial"/>
-              <a:buNone/>
-            </a:pPr>
-            <a:r>
-              <a:rPr lang="en" sz="1000"/>
-              <a:t>UserTracker</a:t>
-            </a:r>
-            <a:endParaRPr sz="1000"/>
-          </a:p>
-          <a:p>
-            <a:pPr marL="0" lvl="0" indent="0" algn="l" rtl="0">
-              <a:spcBef>
-                <a:spcPts val="1200"/>
-              </a:spcBef>
-              <a:spcAft>
-                <a:spcPts val="1200"/>
-              </a:spcAft>
-              <a:buNone/>
-            </a:pPr>
-            <a:endParaRPr/>
-          </a:p>
-        </p:txBody>
-      </p:sp>
-      <p:cxnSp>
-        <p:nvCxnSpPr>
-          <p:cNvPr id="162" name="Google Shape;162;p23"/>
-          <p:cNvCxnSpPr>
-            <a:stCxn id="159" idx="2"/>
-          </p:cNvCxnSpPr>
-          <p:nvPr/>
-        </p:nvCxnSpPr>
-        <p:spPr>
-          <a:xfrm>
-            <a:off x="4572000" y="1017725"/>
-            <a:ext cx="0" cy="3561300"/>
-          </a:xfrm>
-          <a:prstGeom prst="straightConnector1">
-            <a:avLst/>
-          </a:prstGeom>
-          <a:noFill/>
-          <a:ln w="9525" cap="flat" cmpd="sng">
-            <a:solidFill>
-              <a:schemeClr val="dk2"/>
-            </a:solidFill>
-            <a:prstDash val="solid"/>
-            <a:round/>
-            <a:headEnd type="none" w="med" len="med"/>
-            <a:tailEnd type="none" w="med" len="med"/>
-          </a:ln>
-        </p:spPr>
-      </p:cxnSp>
-      <p:cxnSp>
-        <p:nvCxnSpPr>
-          <p:cNvPr id="163" name="Google Shape;163;p23"/>
-          <p:cNvCxnSpPr/>
-          <p:nvPr/>
-        </p:nvCxnSpPr>
-        <p:spPr>
-          <a:xfrm>
-            <a:off x="311700" y="1013600"/>
-            <a:ext cx="8520600" cy="0"/>
-          </a:xfrm>
-          <a:prstGeom prst="straightConnector1">
-            <a:avLst/>
-          </a:prstGeom>
-          <a:noFill/>
-          <a:ln w="9525" cap="flat" cmpd="sng">
-            <a:solidFill>
-              <a:schemeClr val="dk2"/>
-            </a:solidFill>
-            <a:prstDash val="solid"/>
-            <a:round/>
-            <a:headEnd type="none" w="med" len="med"/>
-            <a:tailEnd type="none" w="med" len="med"/>
-          </a:ln>
-        </p:spPr>
-      </p:cxnSp>
-      <p:sp>
-        <p:nvSpPr>
-          <p:cNvPr id="164" name="Google Shape;164;p23"/>
-          <p:cNvSpPr txBox="1"/>
-          <p:nvPr/>
-        </p:nvSpPr>
-        <p:spPr>
-          <a:xfrm>
-            <a:off x="7260175" y="105825"/>
-            <a:ext cx="1488600" cy="307800"/>
-          </a:xfrm>
-          <a:prstGeom prst="rect">
-            <a:avLst/>
-          </a:prstGeom>
-          <a:noFill/>
-          <a:ln>
-            <a:noFill/>
-          </a:ln>
-        </p:spPr>
-        <p:txBody>
-          <a:bodyPr spcFirstLastPara="1" wrap="square" lIns="91425" tIns="91425" rIns="91425" bIns="91425" anchor="t" anchorCtr="0">
-            <a:spAutoFit/>
-          </a:bodyPr>
-          <a:lstStyle/>
-          <a:p>
-            <a:pPr marL="0" lvl="0" indent="0" algn="l" rtl="0">
-              <a:spcBef>
-                <a:spcPts val="0"/>
-              </a:spcBef>
-              <a:spcAft>
-                <a:spcPts val="0"/>
-              </a:spcAft>
-              <a:buNone/>
-            </a:pPr>
-            <a:endParaRPr sz="800"/>
-          </a:p>
-        </p:txBody>
-      </p:sp>
-      <p:sp>
-        <p:nvSpPr>
-          <p:cNvPr id="165" name="Google Shape;165;p23"/>
           <p:cNvSpPr txBox="1"/>
           <p:nvPr/>
         </p:nvSpPr>
